--- a/HomeWork/Kỳ 3/IAD591.9/Book/Buổi 2/IAD591-Lecture-02-Introduction-KIT.pptx
+++ b/HomeWork/Kỳ 3/IAD591.9/Book/Buổi 2/IAD591-Lecture-02-Introduction-KIT.pptx
@@ -1,30 +1,30 @@
 
 <file path=ppt/presentation.xml><?xml version="1.0" encoding="utf-8"?>
-<p:presentation xmlns:a="http://schemas.openxmlformats.org/drawingml/2006/main" xmlns:r="http://schemas.openxmlformats.org/officeDocument/2006/relationships" xmlns:p="http://schemas.openxmlformats.org/presentationml/2006/main" saveSubsetFonts="1" autoCompressPictures="0">
+<p:presentation xmlns:a="http://schemas.openxmlformats.org/drawingml/2006/main" xmlns:r="http://schemas.openxmlformats.org/officeDocument/2006/relationships" xmlns:p="http://schemas.openxmlformats.org/presentationml/2006/main" autoCompressPictures="0">
   <p:sldMasterIdLst>
-    <p:sldMasterId id="2147483660" r:id="rId1"/>
-    <p:sldMasterId id="2147483672" r:id="rId2"/>
+    <p:sldMasterId id="2147483648" r:id="rId1"/>
+    <p:sldMasterId id="2147483660" r:id="rId3"/>
   </p:sldMasterIdLst>
   <p:notesMasterIdLst>
-    <p:notesMasterId r:id="rId16"/>
+    <p:notesMasterId r:id="rId6"/>
   </p:notesMasterIdLst>
   <p:handoutMasterIdLst>
-    <p:handoutMasterId r:id="rId17"/>
+    <p:handoutMasterId r:id="rId18"/>
   </p:handoutMasterIdLst>
   <p:sldIdLst>
-    <p:sldId id="264" r:id="rId3"/>
-    <p:sldId id="331" r:id="rId4"/>
-    <p:sldId id="431" r:id="rId5"/>
-    <p:sldId id="452" r:id="rId6"/>
-    <p:sldId id="453" r:id="rId7"/>
-    <p:sldId id="454" r:id="rId8"/>
-    <p:sldId id="437" r:id="rId9"/>
-    <p:sldId id="439" r:id="rId10"/>
-    <p:sldId id="440" r:id="rId11"/>
-    <p:sldId id="441" r:id="rId12"/>
-    <p:sldId id="430" r:id="rId13"/>
-    <p:sldId id="456" r:id="rId14"/>
-    <p:sldId id="455" r:id="rId15"/>
+    <p:sldId id="264" r:id="rId4"/>
+    <p:sldId id="331" r:id="rId5"/>
+    <p:sldId id="431" r:id="rId7"/>
+    <p:sldId id="452" r:id="rId8"/>
+    <p:sldId id="453" r:id="rId9"/>
+    <p:sldId id="454" r:id="rId10"/>
+    <p:sldId id="437" r:id="rId11"/>
+    <p:sldId id="439" r:id="rId12"/>
+    <p:sldId id="440" r:id="rId13"/>
+    <p:sldId id="441" r:id="rId14"/>
+    <p:sldId id="430" r:id="rId15"/>
+    <p:sldId id="456" r:id="rId16"/>
+    <p:sldId id="455" r:id="rId17"/>
   </p:sldIdLst>
   <p:sldSz cx="9144000" cy="6858000" type="screen4x3"/>
   <p:notesSz cx="6858000" cy="9144000"/>
@@ -43,8 +43,8 @@
         <a:solidFill>
           <a:schemeClr val="tx1"/>
         </a:solidFill>
-        <a:latin typeface="Arial" pitchFamily="34" charset="0"/>
-        <a:ea typeface="ＭＳ Ｐゴシック" pitchFamily="34" charset="-128"/>
+        <a:latin typeface="Arial" panose="020B0604020202020204" pitchFamily="34" charset="0"/>
+        <a:ea typeface="MS PGothic" panose="020B0600070205080204" pitchFamily="34" charset="-128"/>
         <a:cs typeface="+mn-cs"/>
       </a:defRPr>
     </a:lvl1pPr>
@@ -59,8 +59,8 @@
         <a:solidFill>
           <a:schemeClr val="tx1"/>
         </a:solidFill>
-        <a:latin typeface="Arial" pitchFamily="34" charset="0"/>
-        <a:ea typeface="ＭＳ Ｐゴシック" pitchFamily="34" charset="-128"/>
+        <a:latin typeface="Arial" panose="020B0604020202020204" pitchFamily="34" charset="0"/>
+        <a:ea typeface="MS PGothic" panose="020B0600070205080204" pitchFamily="34" charset="-128"/>
         <a:cs typeface="+mn-cs"/>
       </a:defRPr>
     </a:lvl2pPr>
@@ -75,8 +75,8 @@
         <a:solidFill>
           <a:schemeClr val="tx1"/>
         </a:solidFill>
-        <a:latin typeface="Arial" pitchFamily="34" charset="0"/>
-        <a:ea typeface="ＭＳ Ｐゴシック" pitchFamily="34" charset="-128"/>
+        <a:latin typeface="Arial" panose="020B0604020202020204" pitchFamily="34" charset="0"/>
+        <a:ea typeface="MS PGothic" panose="020B0600070205080204" pitchFamily="34" charset="-128"/>
         <a:cs typeface="+mn-cs"/>
       </a:defRPr>
     </a:lvl3pPr>
@@ -91,8 +91,8 @@
         <a:solidFill>
           <a:schemeClr val="tx1"/>
         </a:solidFill>
-        <a:latin typeface="Arial" pitchFamily="34" charset="0"/>
-        <a:ea typeface="ＭＳ Ｐゴシック" pitchFamily="34" charset="-128"/>
+        <a:latin typeface="Arial" panose="020B0604020202020204" pitchFamily="34" charset="0"/>
+        <a:ea typeface="MS PGothic" panose="020B0600070205080204" pitchFamily="34" charset="-128"/>
         <a:cs typeface="+mn-cs"/>
       </a:defRPr>
     </a:lvl4pPr>
@@ -107,8 +107,8 @@
         <a:solidFill>
           <a:schemeClr val="tx1"/>
         </a:solidFill>
-        <a:latin typeface="Arial" pitchFamily="34" charset="0"/>
-        <a:ea typeface="ＭＳ Ｐゴシック" pitchFamily="34" charset="-128"/>
+        <a:latin typeface="Arial" panose="020B0604020202020204" pitchFamily="34" charset="0"/>
+        <a:ea typeface="MS PGothic" panose="020B0600070205080204" pitchFamily="34" charset="-128"/>
         <a:cs typeface="+mn-cs"/>
       </a:defRPr>
     </a:lvl5pPr>
@@ -117,8 +117,8 @@
         <a:solidFill>
           <a:schemeClr val="tx1"/>
         </a:solidFill>
-        <a:latin typeface="Arial" pitchFamily="34" charset="0"/>
-        <a:ea typeface="ＭＳ Ｐゴシック" pitchFamily="34" charset="-128"/>
+        <a:latin typeface="Arial" panose="020B0604020202020204" pitchFamily="34" charset="0"/>
+        <a:ea typeface="MS PGothic" panose="020B0600070205080204" pitchFamily="34" charset="-128"/>
         <a:cs typeface="+mn-cs"/>
       </a:defRPr>
     </a:lvl6pPr>
@@ -127,8 +127,8 @@
         <a:solidFill>
           <a:schemeClr val="tx1"/>
         </a:solidFill>
-        <a:latin typeface="Arial" pitchFamily="34" charset="0"/>
-        <a:ea typeface="ＭＳ Ｐゴシック" pitchFamily="34" charset="-128"/>
+        <a:latin typeface="Arial" panose="020B0604020202020204" pitchFamily="34" charset="0"/>
+        <a:ea typeface="MS PGothic" panose="020B0600070205080204" pitchFamily="34" charset="-128"/>
         <a:cs typeface="+mn-cs"/>
       </a:defRPr>
     </a:lvl7pPr>
@@ -137,8 +137,8 @@
         <a:solidFill>
           <a:schemeClr val="tx1"/>
         </a:solidFill>
-        <a:latin typeface="Arial" pitchFamily="34" charset="0"/>
-        <a:ea typeface="ＭＳ Ｐゴシック" pitchFamily="34" charset="-128"/>
+        <a:latin typeface="Arial" panose="020B0604020202020204" pitchFamily="34" charset="0"/>
+        <a:ea typeface="MS PGothic" panose="020B0600070205080204" pitchFamily="34" charset="-128"/>
         <a:cs typeface="+mn-cs"/>
       </a:defRPr>
     </a:lvl8pPr>
@@ -147,8 +147,8 @@
         <a:solidFill>
           <a:schemeClr val="tx1"/>
         </a:solidFill>
-        <a:latin typeface="Arial" pitchFamily="34" charset="0"/>
-        <a:ea typeface="ＭＳ Ｐゴシック" pitchFamily="34" charset="-128"/>
+        <a:latin typeface="Arial" panose="020B0604020202020204" pitchFamily="34" charset="0"/>
+        <a:ea typeface="MS PGothic" panose="020B0600070205080204" pitchFamily="34" charset="-128"/>
         <a:cs typeface="+mn-cs"/>
       </a:defRPr>
     </a:lvl9pPr>
@@ -156,31 +156,17 @@
   <p:extLst>
     <p:ext uri="{EFAFB233-063F-42B5-8137-9DF3F51BA10A}">
       <p15:sldGuideLst xmlns:p15="http://schemas.microsoft.com/office/powerpoint/2012/main">
-        <p15:guide id="1" orient="horz" pos="2160">
+        <p15:guide id="1" orient="horz" pos="2160" userDrawn="1">
           <p15:clr>
             <a:srgbClr val="A4A3A4"/>
           </p15:clr>
         </p15:guide>
-        <p15:guide id="2" pos="2880">
+        <p15:guide id="2" pos="2880" userDrawn="1">
           <p15:clr>
             <a:srgbClr val="A4A3A4"/>
           </p15:clr>
         </p15:guide>
       </p15:sldGuideLst>
-    </p:ext>
-    <p:ext uri="{2D200454-40CA-4A62-9FC3-DE9A4176ACB9}">
-      <p15:notesGuideLst xmlns:p15="http://schemas.microsoft.com/office/powerpoint/2012/main">
-        <p15:guide id="1" orient="horz" pos="2880">
-          <p15:clr>
-            <a:srgbClr val="A4A3A4"/>
-          </p15:clr>
-        </p15:guide>
-        <p15:guide id="2" pos="2160">
-          <p15:clr>
-            <a:srgbClr val="A4A3A4"/>
-          </p15:clr>
-        </p15:guide>
-      </p15:notesGuideLst>
     </p:ext>
   </p:extLst>
 </p:presentation>
@@ -268,8 +254,6 @@
           <a:p>
             <a:fld id="{E8DEDA80-2945-4F5A-BE18-00EA5FD1BBB3}" type="datetimeFigureOut">
               <a:rPr lang="en-US" smtClean="0"/>
-              <a:pPr/>
-              <a:t>8/2/2025</a:t>
             </a:fld>
             <a:endParaRPr lang="en-US"/>
           </a:p>
@@ -335,19 +319,12 @@
           <a:p>
             <a:fld id="{08A7A21C-CB19-4671-AED8-D20320CF7230}" type="slidenum">
               <a:rPr lang="en-US" smtClean="0"/>
-              <a:pPr/>
-              <a:t>‹#›</a:t>
             </a:fld>
             <a:endParaRPr lang="en-US"/>
           </a:p>
         </p:txBody>
       </p:sp>
     </p:spTree>
-    <p:extLst>
-      <p:ext uri="{BB962C8B-B14F-4D97-AF65-F5344CB8AC3E}">
-        <p14:creationId xmlns:p14="http://schemas.microsoft.com/office/powerpoint/2010/main" val="3291983655"/>
-      </p:ext>
-    </p:extLst>
   </p:cSld>
   <p:clrMap bg1="lt1" tx1="dk1" bg2="lt2" tx2="dk2" accent1="accent1" accent2="accent2" accent3="accent3" accent4="accent4" accent5="accent5" accent6="accent6" hlink="hlink" folHlink="folHlink"/>
   <p:hf hdr="0" dt="0"/>
@@ -436,8 +413,6 @@
           <a:p>
             <a:fld id="{4AD27008-8E94-4BE3-85A4-DBB55C91822D}" type="datetimeFigureOut">
               <a:rPr lang="en-US" smtClean="0"/>
-              <a:pPr/>
-              <a:t>8/2/2025</a:t>
             </a:fld>
             <a:endParaRPr lang="en-US"/>
           </a:p>
@@ -506,6 +481,7 @@
               <a:rPr lang="en-US"/>
               <a:t>Click to edit Master text styles</a:t>
             </a:r>
+            <a:endParaRPr lang="en-US"/>
           </a:p>
           <a:p>
             <a:pPr lvl="1"/>
@@ -513,6 +489,7 @@
               <a:rPr lang="en-US"/>
               <a:t>Second level</a:t>
             </a:r>
+            <a:endParaRPr lang="en-US"/>
           </a:p>
           <a:p>
             <a:pPr lvl="2"/>
@@ -520,6 +497,7 @@
               <a:rPr lang="en-US"/>
               <a:t>Third level</a:t>
             </a:r>
+            <a:endParaRPr lang="en-US"/>
           </a:p>
           <a:p>
             <a:pPr lvl="3"/>
@@ -527,6 +505,7 @@
               <a:rPr lang="en-US"/>
               <a:t>Fourth level</a:t>
             </a:r>
+            <a:endParaRPr lang="en-US"/>
           </a:p>
           <a:p>
             <a:pPr lvl="4"/>
@@ -534,6 +513,7 @@
               <a:rPr lang="en-US"/>
               <a:t>Fifth level</a:t>
             </a:r>
+            <a:endParaRPr lang="en-US"/>
           </a:p>
         </p:txBody>
       </p:sp>
@@ -597,19 +577,12 @@
           <a:p>
             <a:fld id="{9136913C-23B8-4992-AD31-197833DF19AE}" type="slidenum">
               <a:rPr lang="en-US" smtClean="0"/>
-              <a:pPr/>
-              <a:t>‹#›</a:t>
             </a:fld>
             <a:endParaRPr lang="en-US"/>
           </a:p>
         </p:txBody>
       </p:sp>
     </p:spTree>
-    <p:extLst>
-      <p:ext uri="{BB962C8B-B14F-4D97-AF65-F5344CB8AC3E}">
-        <p14:creationId xmlns:p14="http://schemas.microsoft.com/office/powerpoint/2010/main" val="2907892562"/>
-      </p:ext>
-    </p:extLst>
   </p:cSld>
   <p:clrMap bg1="lt1" tx1="dk1" bg2="lt2" tx2="dk2" accent1="accent1" accent2="accent2" accent3="accent3" accent4="accent4" accent5="accent5" accent6="accent6" hlink="hlink" folHlink="folHlink"/>
   <p:hf hdr="0" dt="0"/>
@@ -792,19 +765,12 @@
           <a:p>
             <a:fld id="{9136913C-23B8-4992-AD31-197833DF19AE}" type="slidenum">
               <a:rPr lang="en-US" smtClean="0"/>
-              <a:pPr/>
-              <a:t>2</a:t>
             </a:fld>
             <a:endParaRPr lang="en-US"/>
           </a:p>
         </p:txBody>
       </p:sp>
     </p:spTree>
-    <p:extLst>
-      <p:ext uri="{BB962C8B-B14F-4D97-AF65-F5344CB8AC3E}">
-        <p14:creationId xmlns:p14="http://schemas.microsoft.com/office/powerpoint/2010/main" val="436101007"/>
-      </p:ext>
-    </p:extLst>
   </p:cSld>
   <p:clrMapOvr>
     <a:masterClrMapping/>
@@ -900,19 +866,12 @@
           <a:p>
             <a:fld id="{9136913C-23B8-4992-AD31-197833DF19AE}" type="slidenum">
               <a:rPr lang="en-US" smtClean="0"/>
-              <a:pPr/>
-              <a:t>3</a:t>
             </a:fld>
             <a:endParaRPr lang="en-US"/>
           </a:p>
         </p:txBody>
       </p:sp>
     </p:spTree>
-    <p:extLst>
-      <p:ext uri="{BB962C8B-B14F-4D97-AF65-F5344CB8AC3E}">
-        <p14:creationId xmlns:p14="http://schemas.microsoft.com/office/powerpoint/2010/main" val="4003282278"/>
-      </p:ext>
-    </p:extLst>
   </p:cSld>
   <p:clrMapOvr>
     <a:masterClrMapping/>
@@ -1004,19 +963,12 @@
           <a:p>
             <a:fld id="{9136913C-23B8-4992-AD31-197833DF19AE}" type="slidenum">
               <a:rPr lang="en-US" smtClean="0"/>
-              <a:pPr/>
-              <a:t>4</a:t>
             </a:fld>
             <a:endParaRPr lang="en-US"/>
           </a:p>
         </p:txBody>
       </p:sp>
     </p:spTree>
-    <p:extLst>
-      <p:ext uri="{BB962C8B-B14F-4D97-AF65-F5344CB8AC3E}">
-        <p14:creationId xmlns:p14="http://schemas.microsoft.com/office/powerpoint/2010/main" val="1855333426"/>
-      </p:ext>
-    </p:extLst>
   </p:cSld>
   <p:clrMapOvr>
     <a:masterClrMapping/>
@@ -1115,19 +1067,12 @@
           <a:p>
             <a:fld id="{9136913C-23B8-4992-AD31-197833DF19AE}" type="slidenum">
               <a:rPr lang="en-US" smtClean="0"/>
-              <a:pPr/>
-              <a:t>5</a:t>
             </a:fld>
             <a:endParaRPr lang="en-US"/>
           </a:p>
         </p:txBody>
       </p:sp>
     </p:spTree>
-    <p:extLst>
-      <p:ext uri="{BB962C8B-B14F-4D97-AF65-F5344CB8AC3E}">
-        <p14:creationId xmlns:p14="http://schemas.microsoft.com/office/powerpoint/2010/main" val="4136711248"/>
-      </p:ext>
-    </p:extLst>
   </p:cSld>
   <p:clrMapOvr>
     <a:masterClrMapping/>
@@ -1219,19 +1164,12 @@
           <a:p>
             <a:fld id="{9136913C-23B8-4992-AD31-197833DF19AE}" type="slidenum">
               <a:rPr lang="en-US" smtClean="0"/>
-              <a:pPr/>
-              <a:t>6</a:t>
             </a:fld>
             <a:endParaRPr lang="en-US"/>
           </a:p>
         </p:txBody>
       </p:sp>
     </p:spTree>
-    <p:extLst>
-      <p:ext uri="{BB962C8B-B14F-4D97-AF65-F5344CB8AC3E}">
-        <p14:creationId xmlns:p14="http://schemas.microsoft.com/office/powerpoint/2010/main" val="1056448532"/>
-      </p:ext>
-    </p:extLst>
   </p:cSld>
   <p:clrMapOvr>
     <a:masterClrMapping/>
@@ -1323,19 +1261,12 @@
           <a:p>
             <a:fld id="{9136913C-23B8-4992-AD31-197833DF19AE}" type="slidenum">
               <a:rPr lang="en-US" smtClean="0"/>
-              <a:pPr/>
-              <a:t>7</a:t>
             </a:fld>
             <a:endParaRPr lang="en-US"/>
           </a:p>
         </p:txBody>
       </p:sp>
     </p:spTree>
-    <p:extLst>
-      <p:ext uri="{BB962C8B-B14F-4D97-AF65-F5344CB8AC3E}">
-        <p14:creationId xmlns:p14="http://schemas.microsoft.com/office/powerpoint/2010/main" val="2876895829"/>
-      </p:ext>
-    </p:extLst>
   </p:cSld>
   <p:clrMapOvr>
     <a:masterClrMapping/>
@@ -1434,19 +1365,12 @@
           <a:p>
             <a:fld id="{9136913C-23B8-4992-AD31-197833DF19AE}" type="slidenum">
               <a:rPr lang="en-US" smtClean="0"/>
-              <a:pPr/>
-              <a:t>8</a:t>
             </a:fld>
             <a:endParaRPr lang="en-US"/>
           </a:p>
         </p:txBody>
       </p:sp>
     </p:spTree>
-    <p:extLst>
-      <p:ext uri="{BB962C8B-B14F-4D97-AF65-F5344CB8AC3E}">
-        <p14:creationId xmlns:p14="http://schemas.microsoft.com/office/powerpoint/2010/main" val="4190445457"/>
-      </p:ext>
-    </p:extLst>
   </p:cSld>
   <p:clrMapOvr>
     <a:masterClrMapping/>
@@ -1538,19 +1462,12 @@
           <a:p>
             <a:fld id="{9136913C-23B8-4992-AD31-197833DF19AE}" type="slidenum">
               <a:rPr lang="en-US" smtClean="0"/>
-              <a:pPr/>
-              <a:t>9</a:t>
             </a:fld>
             <a:endParaRPr lang="en-US"/>
           </a:p>
         </p:txBody>
       </p:sp>
     </p:spTree>
-    <p:extLst>
-      <p:ext uri="{BB962C8B-B14F-4D97-AF65-F5344CB8AC3E}">
-        <p14:creationId xmlns:p14="http://schemas.microsoft.com/office/powerpoint/2010/main" val="3789480412"/>
-      </p:ext>
-    </p:extLst>
   </p:cSld>
   <p:clrMapOvr>
     <a:masterClrMapping/>
@@ -1644,19 +1561,12 @@
           <a:p>
             <a:fld id="{9136913C-23B8-4992-AD31-197833DF19AE}" type="slidenum">
               <a:rPr lang="en-US" smtClean="0"/>
-              <a:pPr/>
-              <a:t>10</a:t>
             </a:fld>
             <a:endParaRPr lang="en-US"/>
           </a:p>
         </p:txBody>
       </p:sp>
     </p:spTree>
-    <p:extLst>
-      <p:ext uri="{BB962C8B-B14F-4D97-AF65-F5344CB8AC3E}">
-        <p14:creationId xmlns:p14="http://schemas.microsoft.com/office/powerpoint/2010/main" val="1730994473"/>
-      </p:ext>
-    </p:extLst>
   </p:cSld>
   <p:clrMapOvr>
     <a:masterClrMapping/>
@@ -1705,6 +1615,7 @@
               <a:rPr lang="en-US"/>
               <a:t>Click to edit Master title style</a:t>
             </a:r>
+            <a:endParaRPr lang="en-US"/>
           </a:p>
         </p:txBody>
       </p:sp>
@@ -1823,6 +1734,7 @@
               <a:rPr lang="en-US"/>
               <a:t>Click to edit Master subtitle style</a:t>
             </a:r>
+            <a:endParaRPr lang="en-US"/>
           </a:p>
         </p:txBody>
       </p:sp>
@@ -1843,8 +1755,6 @@
           <a:p>
             <a:fld id="{D98EC6FA-7C93-468E-A575-EDCD81EEFF70}" type="datetimeFigureOut">
               <a:rPr lang="en-US" smtClean="0"/>
-              <a:pPr/>
-              <a:t>8/2/2025</a:t>
             </a:fld>
             <a:endParaRPr lang="en-US"/>
           </a:p>
@@ -1886,8 +1796,6 @@
           <a:p>
             <a:fld id="{2B939A09-3475-4C1B-8F36-74BF0EBA845E}" type="slidenum">
               <a:rPr lang="en-US" smtClean="0"/>
-              <a:pPr/>
-              <a:t>‹#›</a:t>
             </a:fld>
             <a:endParaRPr lang="en-US"/>
           </a:p>
@@ -1937,6 +1845,7 @@
               <a:rPr lang="en-US"/>
               <a:t>Click to edit Master title style</a:t>
             </a:r>
+            <a:endParaRPr lang="en-US"/>
           </a:p>
         </p:txBody>
       </p:sp>
@@ -1960,6 +1869,7 @@
               <a:rPr lang="en-US"/>
               <a:t>Click to edit Master text styles</a:t>
             </a:r>
+            <a:endParaRPr lang="en-US"/>
           </a:p>
           <a:p>
             <a:pPr lvl="1"/>
@@ -1967,6 +1877,7 @@
               <a:rPr lang="en-US"/>
               <a:t>Second level</a:t>
             </a:r>
+            <a:endParaRPr lang="en-US"/>
           </a:p>
           <a:p>
             <a:pPr lvl="2"/>
@@ -1974,6 +1885,7 @@
               <a:rPr lang="en-US"/>
               <a:t>Third level</a:t>
             </a:r>
+            <a:endParaRPr lang="en-US"/>
           </a:p>
           <a:p>
             <a:pPr lvl="3"/>
@@ -1981,6 +1893,7 @@
               <a:rPr lang="en-US"/>
               <a:t>Fourth level</a:t>
             </a:r>
+            <a:endParaRPr lang="en-US"/>
           </a:p>
           <a:p>
             <a:pPr lvl="4"/>
@@ -1988,6 +1901,7 @@
               <a:rPr lang="en-US"/>
               <a:t>Fifth level</a:t>
             </a:r>
+            <a:endParaRPr lang="en-US"/>
           </a:p>
         </p:txBody>
       </p:sp>
@@ -2008,8 +1922,6 @@
           <a:p>
             <a:fld id="{D98EC6FA-7C93-468E-A575-EDCD81EEFF70}" type="datetimeFigureOut">
               <a:rPr lang="en-US" smtClean="0"/>
-              <a:pPr/>
-              <a:t>8/2/2025</a:t>
             </a:fld>
             <a:endParaRPr lang="en-US"/>
           </a:p>
@@ -2051,8 +1963,6 @@
           <a:p>
             <a:fld id="{2B939A09-3475-4C1B-8F36-74BF0EBA845E}" type="slidenum">
               <a:rPr lang="en-US" smtClean="0"/>
-              <a:pPr/>
-              <a:t>‹#›</a:t>
             </a:fld>
             <a:endParaRPr lang="en-US"/>
           </a:p>
@@ -2107,6 +2017,7 @@
               <a:rPr lang="en-US"/>
               <a:t>Click to edit Master title style</a:t>
             </a:r>
+            <a:endParaRPr lang="en-US"/>
           </a:p>
         </p:txBody>
       </p:sp>
@@ -2135,6 +2046,7 @@
               <a:rPr lang="en-US"/>
               <a:t>Click to edit Master text styles</a:t>
             </a:r>
+            <a:endParaRPr lang="en-US"/>
           </a:p>
           <a:p>
             <a:pPr lvl="1"/>
@@ -2142,6 +2054,7 @@
               <a:rPr lang="en-US"/>
               <a:t>Second level</a:t>
             </a:r>
+            <a:endParaRPr lang="en-US"/>
           </a:p>
           <a:p>
             <a:pPr lvl="2"/>
@@ -2149,6 +2062,7 @@
               <a:rPr lang="en-US"/>
               <a:t>Third level</a:t>
             </a:r>
+            <a:endParaRPr lang="en-US"/>
           </a:p>
           <a:p>
             <a:pPr lvl="3"/>
@@ -2156,6 +2070,7 @@
               <a:rPr lang="en-US"/>
               <a:t>Fourth level</a:t>
             </a:r>
+            <a:endParaRPr lang="en-US"/>
           </a:p>
           <a:p>
             <a:pPr lvl="4"/>
@@ -2163,6 +2078,7 @@
               <a:rPr lang="en-US"/>
               <a:t>Fifth level</a:t>
             </a:r>
+            <a:endParaRPr lang="en-US"/>
           </a:p>
         </p:txBody>
       </p:sp>
@@ -2183,8 +2099,6 @@
           <a:p>
             <a:fld id="{D98EC6FA-7C93-468E-A575-EDCD81EEFF70}" type="datetimeFigureOut">
               <a:rPr lang="en-US" smtClean="0"/>
-              <a:pPr/>
-              <a:t>8/2/2025</a:t>
             </a:fld>
             <a:endParaRPr lang="en-US"/>
           </a:p>
@@ -2226,8 +2140,6 @@
           <a:p>
             <a:fld id="{2B939A09-3475-4C1B-8F36-74BF0EBA845E}" type="slidenum">
               <a:rPr lang="en-US" smtClean="0"/>
-              <a:pPr/>
-              <a:t>‹#›</a:t>
             </a:fld>
             <a:endParaRPr lang="en-US"/>
           </a:p>
@@ -2373,6 +2285,7 @@
               <a:rPr lang="en-US"/>
               <a:t>Click to edit Master subtitle style</a:t>
             </a:r>
+            <a:endParaRPr lang="en-US"/>
           </a:p>
         </p:txBody>
       </p:sp>
@@ -2395,6 +2308,7 @@
               <a:rPr lang="en-US"/>
               <a:t>Click to edit Master title style</a:t>
             </a:r>
+            <a:endParaRPr lang="en-US"/>
           </a:p>
         </p:txBody>
       </p:sp>
@@ -2466,6 +2380,7 @@
               <a:rPr lang="en-US"/>
               <a:t>Click to edit Master text styles</a:t>
             </a:r>
+            <a:endParaRPr lang="en-US"/>
           </a:p>
           <a:p>
             <a:pPr lvl="1"/>
@@ -2473,6 +2388,7 @@
               <a:rPr lang="en-US"/>
               <a:t>Second level</a:t>
             </a:r>
+            <a:endParaRPr lang="en-US"/>
           </a:p>
           <a:p>
             <a:pPr lvl="2"/>
@@ -2480,6 +2396,7 @@
               <a:rPr lang="en-US"/>
               <a:t>Third level</a:t>
             </a:r>
+            <a:endParaRPr lang="en-US"/>
           </a:p>
           <a:p>
             <a:pPr lvl="3"/>
@@ -2487,6 +2404,7 @@
               <a:rPr lang="en-US"/>
               <a:t>Fourth level</a:t>
             </a:r>
+            <a:endParaRPr lang="en-US"/>
           </a:p>
           <a:p>
             <a:pPr lvl="4"/>
@@ -2551,6 +2469,7 @@
               <a:rPr lang="en-US"/>
               <a:t>Click to edit Master title style</a:t>
             </a:r>
+            <a:endParaRPr lang="en-US"/>
           </a:p>
         </p:txBody>
       </p:sp>
@@ -2670,6 +2589,7 @@
               <a:rPr lang="en-US"/>
               <a:t>Click to edit Master text styles</a:t>
             </a:r>
+            <a:endParaRPr lang="en-US"/>
           </a:p>
         </p:txBody>
       </p:sp>
@@ -2748,6 +2668,7 @@
               <a:rPr lang="en-US"/>
               <a:t>Click to edit Master title style</a:t>
             </a:r>
+            <a:endParaRPr lang="en-US"/>
           </a:p>
         </p:txBody>
       </p:sp>
@@ -2804,6 +2725,7 @@
               <a:rPr lang="en-US"/>
               <a:t>Click to edit Master text styles</a:t>
             </a:r>
+            <a:endParaRPr lang="en-US"/>
           </a:p>
           <a:p>
             <a:pPr lvl="1"/>
@@ -2811,6 +2733,7 @@
               <a:rPr lang="en-US"/>
               <a:t>Second level</a:t>
             </a:r>
+            <a:endParaRPr lang="en-US"/>
           </a:p>
           <a:p>
             <a:pPr lvl="2"/>
@@ -2818,6 +2741,7 @@
               <a:rPr lang="en-US"/>
               <a:t>Third level</a:t>
             </a:r>
+            <a:endParaRPr lang="en-US"/>
           </a:p>
           <a:p>
             <a:pPr lvl="3"/>
@@ -2825,6 +2749,7 @@
               <a:rPr lang="en-US"/>
               <a:t>Fourth level</a:t>
             </a:r>
+            <a:endParaRPr lang="en-US"/>
           </a:p>
           <a:p>
             <a:pPr lvl="4"/>
@@ -2832,6 +2757,7 @@
               <a:rPr lang="en-US"/>
               <a:t>Fifth level</a:t>
             </a:r>
+            <a:endParaRPr lang="en-US"/>
           </a:p>
         </p:txBody>
       </p:sp>
@@ -2888,6 +2814,7 @@
               <a:rPr lang="en-US"/>
               <a:t>Click to edit Master text styles</a:t>
             </a:r>
+            <a:endParaRPr lang="en-US"/>
           </a:p>
           <a:p>
             <a:pPr lvl="1"/>
@@ -2895,6 +2822,7 @@
               <a:rPr lang="en-US"/>
               <a:t>Second level</a:t>
             </a:r>
+            <a:endParaRPr lang="en-US"/>
           </a:p>
           <a:p>
             <a:pPr lvl="2"/>
@@ -2902,6 +2830,7 @@
               <a:rPr lang="en-US"/>
               <a:t>Third level</a:t>
             </a:r>
+            <a:endParaRPr lang="en-US"/>
           </a:p>
           <a:p>
             <a:pPr lvl="3"/>
@@ -2909,6 +2838,7 @@
               <a:rPr lang="en-US"/>
               <a:t>Fourth level</a:t>
             </a:r>
+            <a:endParaRPr lang="en-US"/>
           </a:p>
           <a:p>
             <a:pPr lvl="4"/>
@@ -2916,6 +2846,7 @@
               <a:rPr lang="en-US"/>
               <a:t>Fifth level</a:t>
             </a:r>
+            <a:endParaRPr lang="en-US"/>
           </a:p>
         </p:txBody>
       </p:sp>
@@ -2967,6 +2898,7 @@
               <a:rPr lang="en-US"/>
               <a:t>Click to edit Master title style</a:t>
             </a:r>
+            <a:endParaRPr lang="en-US"/>
           </a:p>
         </p:txBody>
       </p:sp>
@@ -3032,6 +2964,7 @@
               <a:rPr lang="en-US"/>
               <a:t>Click to edit Master text styles</a:t>
             </a:r>
+            <a:endParaRPr lang="en-US"/>
           </a:p>
         </p:txBody>
       </p:sp>
@@ -3088,6 +3021,7 @@
               <a:rPr lang="en-US"/>
               <a:t>Click to edit Master text styles</a:t>
             </a:r>
+            <a:endParaRPr lang="en-US"/>
           </a:p>
           <a:p>
             <a:pPr lvl="1"/>
@@ -3095,6 +3029,7 @@
               <a:rPr lang="en-US"/>
               <a:t>Second level</a:t>
             </a:r>
+            <a:endParaRPr lang="en-US"/>
           </a:p>
           <a:p>
             <a:pPr lvl="2"/>
@@ -3102,6 +3037,7 @@
               <a:rPr lang="en-US"/>
               <a:t>Third level</a:t>
             </a:r>
+            <a:endParaRPr lang="en-US"/>
           </a:p>
           <a:p>
             <a:pPr lvl="3"/>
@@ -3109,6 +3045,7 @@
               <a:rPr lang="en-US"/>
               <a:t>Fourth level</a:t>
             </a:r>
+            <a:endParaRPr lang="en-US"/>
           </a:p>
           <a:p>
             <a:pPr lvl="4"/>
@@ -3182,6 +3119,7 @@
               <a:rPr lang="en-US"/>
               <a:t>Click to edit Master text styles</a:t>
             </a:r>
+            <a:endParaRPr lang="en-US"/>
           </a:p>
         </p:txBody>
       </p:sp>
@@ -3238,6 +3176,7 @@
               <a:rPr lang="en-US"/>
               <a:t>Click to edit Master text styles</a:t>
             </a:r>
+            <a:endParaRPr lang="en-US"/>
           </a:p>
           <a:p>
             <a:pPr lvl="1"/>
@@ -3245,6 +3184,7 @@
               <a:rPr lang="en-US"/>
               <a:t>Second level</a:t>
             </a:r>
+            <a:endParaRPr lang="en-US"/>
           </a:p>
           <a:p>
             <a:pPr lvl="2"/>
@@ -3252,6 +3192,7 @@
               <a:rPr lang="en-US"/>
               <a:t>Third level</a:t>
             </a:r>
+            <a:endParaRPr lang="en-US"/>
           </a:p>
           <a:p>
             <a:pPr lvl="3"/>
@@ -3259,6 +3200,7 @@
               <a:rPr lang="en-US"/>
               <a:t>Fourth level</a:t>
             </a:r>
+            <a:endParaRPr lang="en-US"/>
           </a:p>
           <a:p>
             <a:pPr lvl="4"/>
@@ -3266,6 +3208,7 @@
               <a:rPr lang="en-US"/>
               <a:t>Fifth level</a:t>
             </a:r>
+            <a:endParaRPr lang="en-US"/>
           </a:p>
         </p:txBody>
       </p:sp>
@@ -3344,6 +3287,7 @@
               <a:rPr lang="en-US"/>
               <a:t>Click to edit Master title style</a:t>
             </a:r>
+            <a:endParaRPr lang="en-US"/>
           </a:p>
         </p:txBody>
       </p:sp>
@@ -3513,6 +3457,7 @@
               <a:rPr lang="en-US"/>
               <a:t>Click to edit Master text styles</a:t>
             </a:r>
+            <a:endParaRPr lang="en-US"/>
           </a:p>
           <a:p>
             <a:pPr lvl="1"/>
@@ -3520,6 +3465,7 @@
               <a:rPr lang="en-US"/>
               <a:t>Second level</a:t>
             </a:r>
+            <a:endParaRPr lang="en-US"/>
           </a:p>
           <a:p>
             <a:pPr lvl="2"/>
@@ -3527,6 +3473,7 @@
               <a:rPr lang="en-US"/>
               <a:t>Third level</a:t>
             </a:r>
+            <a:endParaRPr lang="en-US"/>
           </a:p>
           <a:p>
             <a:pPr lvl="3"/>
@@ -3534,6 +3481,7 @@
               <a:rPr lang="en-US"/>
               <a:t>Fourth level</a:t>
             </a:r>
+            <a:endParaRPr lang="en-US"/>
           </a:p>
           <a:p>
             <a:pPr lvl="4"/>
@@ -3607,6 +3555,7 @@
               <a:rPr lang="en-US"/>
               <a:t>Click to edit Master text styles</a:t>
             </a:r>
+            <a:endParaRPr lang="en-US"/>
           </a:p>
         </p:txBody>
       </p:sp>
@@ -3654,6 +3603,7 @@
               <a:rPr lang="en-US"/>
               <a:t>Click to edit Master title style</a:t>
             </a:r>
+            <a:endParaRPr lang="en-US"/>
           </a:p>
         </p:txBody>
       </p:sp>
@@ -3677,6 +3627,7 @@
               <a:rPr lang="en-US"/>
               <a:t>Click to edit Master text styles</a:t>
             </a:r>
+            <a:endParaRPr lang="en-US"/>
           </a:p>
           <a:p>
             <a:pPr lvl="1"/>
@@ -3684,6 +3635,7 @@
               <a:rPr lang="en-US"/>
               <a:t>Second level</a:t>
             </a:r>
+            <a:endParaRPr lang="en-US"/>
           </a:p>
           <a:p>
             <a:pPr lvl="2"/>
@@ -3691,6 +3643,7 @@
               <a:rPr lang="en-US"/>
               <a:t>Third level</a:t>
             </a:r>
+            <a:endParaRPr lang="en-US"/>
           </a:p>
           <a:p>
             <a:pPr lvl="3"/>
@@ -3698,6 +3651,7 @@
               <a:rPr lang="en-US"/>
               <a:t>Fourth level</a:t>
             </a:r>
+            <a:endParaRPr lang="en-US"/>
           </a:p>
           <a:p>
             <a:pPr lvl="4"/>
@@ -3705,6 +3659,7 @@
               <a:rPr lang="en-US"/>
               <a:t>Fifth level</a:t>
             </a:r>
+            <a:endParaRPr lang="en-US"/>
           </a:p>
         </p:txBody>
       </p:sp>
@@ -3725,8 +3680,6 @@
           <a:p>
             <a:fld id="{D98EC6FA-7C93-468E-A575-EDCD81EEFF70}" type="datetimeFigureOut">
               <a:rPr lang="en-US" smtClean="0"/>
-              <a:pPr/>
-              <a:t>8/2/2025</a:t>
             </a:fld>
             <a:endParaRPr lang="en-US"/>
           </a:p>
@@ -3768,8 +3721,6 @@
           <a:p>
             <a:fld id="{2B939A09-3475-4C1B-8F36-74BF0EBA845E}" type="slidenum">
               <a:rPr lang="en-US" smtClean="0"/>
-              <a:pPr/>
-              <a:t>‹#›</a:t>
             </a:fld>
             <a:endParaRPr lang="en-US"/>
           </a:p>
@@ -3828,6 +3779,7 @@
               <a:rPr lang="en-US"/>
               <a:t>Click to edit Master title style</a:t>
             </a:r>
+            <a:endParaRPr lang="en-US"/>
           </a:p>
         </p:txBody>
       </p:sp>
@@ -3895,6 +3847,7 @@
               <a:rPr lang="en-US" noProof="0"/>
               <a:t>Click icon to add picture</a:t>
             </a:r>
+            <a:endParaRPr lang="en-US" noProof="0"/>
           </a:p>
         </p:txBody>
       </p:sp>
@@ -3960,6 +3913,7 @@
               <a:rPr lang="en-US"/>
               <a:t>Click to edit Master text styles</a:t>
             </a:r>
+            <a:endParaRPr lang="en-US"/>
           </a:p>
         </p:txBody>
       </p:sp>
@@ -4007,6 +3961,7 @@
               <a:rPr lang="en-US"/>
               <a:t>Click to edit Master title style</a:t>
             </a:r>
+            <a:endParaRPr lang="en-US"/>
           </a:p>
         </p:txBody>
       </p:sp>
@@ -4030,6 +3985,7 @@
               <a:rPr lang="en-US"/>
               <a:t>Click to edit Master text styles</a:t>
             </a:r>
+            <a:endParaRPr lang="en-US"/>
           </a:p>
           <a:p>
             <a:pPr lvl="1"/>
@@ -4037,6 +3993,7 @@
               <a:rPr lang="en-US"/>
               <a:t>Second level</a:t>
             </a:r>
+            <a:endParaRPr lang="en-US"/>
           </a:p>
           <a:p>
             <a:pPr lvl="2"/>
@@ -4044,6 +4001,7 @@
               <a:rPr lang="en-US"/>
               <a:t>Third level</a:t>
             </a:r>
+            <a:endParaRPr lang="en-US"/>
           </a:p>
           <a:p>
             <a:pPr lvl="3"/>
@@ -4051,6 +4009,7 @@
               <a:rPr lang="en-US"/>
               <a:t>Fourth level</a:t>
             </a:r>
+            <a:endParaRPr lang="en-US"/>
           </a:p>
           <a:p>
             <a:pPr lvl="4"/>
@@ -4058,6 +4017,7 @@
               <a:rPr lang="en-US"/>
               <a:t>Fifth level</a:t>
             </a:r>
+            <a:endParaRPr lang="en-US"/>
           </a:p>
         </p:txBody>
       </p:sp>
@@ -4139,6 +4099,7 @@
               <a:rPr lang="en-US"/>
               <a:t>Click to edit Master text styles</a:t>
             </a:r>
+            <a:endParaRPr lang="en-US"/>
           </a:p>
           <a:p>
             <a:pPr lvl="1"/>
@@ -4146,6 +4107,7 @@
               <a:rPr lang="en-US"/>
               <a:t>Second level</a:t>
             </a:r>
+            <a:endParaRPr lang="en-US"/>
           </a:p>
           <a:p>
             <a:pPr lvl="2"/>
@@ -4153,6 +4115,7 @@
               <a:rPr lang="en-US"/>
               <a:t>Third level</a:t>
             </a:r>
+            <a:endParaRPr lang="en-US"/>
           </a:p>
           <a:p>
             <a:pPr lvl="3"/>
@@ -4160,6 +4123,7 @@
               <a:rPr lang="en-US"/>
               <a:t>Fourth level</a:t>
             </a:r>
+            <a:endParaRPr lang="en-US"/>
           </a:p>
           <a:p>
             <a:pPr lvl="4"/>
@@ -4311,6 +4275,7 @@
               <a:rPr lang="en-US"/>
               <a:t>Click to edit Master subtitle style</a:t>
             </a:r>
+            <a:endParaRPr lang="en-US"/>
           </a:p>
         </p:txBody>
       </p:sp>
@@ -4378,8 +4343,6 @@
           <a:p>
             <a:fld id="{CD91002D-DF87-4FB9-865C-A76CFCC7B82D}" type="slidenum">
               <a:rPr lang="en-US"/>
-              <a:pPr/>
-              <a:t>‹#›</a:t>
             </a:fld>
             <a:endParaRPr lang="en-US"/>
           </a:p>
@@ -4404,6 +4367,7 @@
               <a:rPr lang="en-US"/>
               <a:t>Click to edit Master title style</a:t>
             </a:r>
+            <a:endParaRPr lang="en-US"/>
           </a:p>
         </p:txBody>
       </p:sp>
@@ -4460,6 +4424,7 @@
               <a:rPr lang="en-US"/>
               <a:t>Click to edit Master title style</a:t>
             </a:r>
+            <a:endParaRPr lang="en-US"/>
           </a:p>
         </p:txBody>
       </p:sp>
@@ -4579,6 +4544,7 @@
               <a:rPr lang="en-US"/>
               <a:t>Click to edit Master text styles</a:t>
             </a:r>
+            <a:endParaRPr lang="en-US"/>
           </a:p>
         </p:txBody>
       </p:sp>
@@ -4599,8 +4565,6 @@
           <a:p>
             <a:fld id="{D98EC6FA-7C93-468E-A575-EDCD81EEFF70}" type="datetimeFigureOut">
               <a:rPr lang="en-US" smtClean="0"/>
-              <a:pPr/>
-              <a:t>8/2/2025</a:t>
             </a:fld>
             <a:endParaRPr lang="en-US"/>
           </a:p>
@@ -4642,8 +4606,6 @@
           <a:p>
             <a:fld id="{2B939A09-3475-4C1B-8F36-74BF0EBA845E}" type="slidenum">
               <a:rPr lang="en-US" smtClean="0"/>
-              <a:pPr/>
-              <a:t>‹#›</a:t>
             </a:fld>
             <a:endParaRPr lang="en-US"/>
           </a:p>
@@ -4693,6 +4655,7 @@
               <a:rPr lang="en-US"/>
               <a:t>Click to edit Master title style</a:t>
             </a:r>
+            <a:endParaRPr lang="en-US"/>
           </a:p>
         </p:txBody>
       </p:sp>
@@ -4749,6 +4712,7 @@
               <a:rPr lang="en-US"/>
               <a:t>Click to edit Master text styles</a:t>
             </a:r>
+            <a:endParaRPr lang="en-US"/>
           </a:p>
           <a:p>
             <a:pPr lvl="1"/>
@@ -4756,6 +4720,7 @@
               <a:rPr lang="en-US"/>
               <a:t>Second level</a:t>
             </a:r>
+            <a:endParaRPr lang="en-US"/>
           </a:p>
           <a:p>
             <a:pPr lvl="2"/>
@@ -4763,6 +4728,7 @@
               <a:rPr lang="en-US"/>
               <a:t>Third level</a:t>
             </a:r>
+            <a:endParaRPr lang="en-US"/>
           </a:p>
           <a:p>
             <a:pPr lvl="3"/>
@@ -4770,6 +4736,7 @@
               <a:rPr lang="en-US"/>
               <a:t>Fourth level</a:t>
             </a:r>
+            <a:endParaRPr lang="en-US"/>
           </a:p>
           <a:p>
             <a:pPr lvl="4"/>
@@ -4777,6 +4744,7 @@
               <a:rPr lang="en-US"/>
               <a:t>Fifth level</a:t>
             </a:r>
+            <a:endParaRPr lang="en-US"/>
           </a:p>
         </p:txBody>
       </p:sp>
@@ -4833,6 +4801,7 @@
               <a:rPr lang="en-US"/>
               <a:t>Click to edit Master text styles</a:t>
             </a:r>
+            <a:endParaRPr lang="en-US"/>
           </a:p>
           <a:p>
             <a:pPr lvl="1"/>
@@ -4840,6 +4809,7 @@
               <a:rPr lang="en-US"/>
               <a:t>Second level</a:t>
             </a:r>
+            <a:endParaRPr lang="en-US"/>
           </a:p>
           <a:p>
             <a:pPr lvl="2"/>
@@ -4847,6 +4817,7 @@
               <a:rPr lang="en-US"/>
               <a:t>Third level</a:t>
             </a:r>
+            <a:endParaRPr lang="en-US"/>
           </a:p>
           <a:p>
             <a:pPr lvl="3"/>
@@ -4854,6 +4825,7 @@
               <a:rPr lang="en-US"/>
               <a:t>Fourth level</a:t>
             </a:r>
+            <a:endParaRPr lang="en-US"/>
           </a:p>
           <a:p>
             <a:pPr lvl="4"/>
@@ -4861,6 +4833,7 @@
               <a:rPr lang="en-US"/>
               <a:t>Fifth level</a:t>
             </a:r>
+            <a:endParaRPr lang="en-US"/>
           </a:p>
         </p:txBody>
       </p:sp>
@@ -4881,8 +4854,6 @@
           <a:p>
             <a:fld id="{D98EC6FA-7C93-468E-A575-EDCD81EEFF70}" type="datetimeFigureOut">
               <a:rPr lang="en-US" smtClean="0"/>
-              <a:pPr/>
-              <a:t>8/2/2025</a:t>
             </a:fld>
             <a:endParaRPr lang="en-US"/>
           </a:p>
@@ -4924,8 +4895,6 @@
           <a:p>
             <a:fld id="{2B939A09-3475-4C1B-8F36-74BF0EBA845E}" type="slidenum">
               <a:rPr lang="en-US" smtClean="0"/>
-              <a:pPr/>
-              <a:t>‹#›</a:t>
             </a:fld>
             <a:endParaRPr lang="en-US"/>
           </a:p>
@@ -4979,6 +4948,7 @@
               <a:rPr lang="en-US"/>
               <a:t>Click to edit Master title style</a:t>
             </a:r>
+            <a:endParaRPr lang="en-US"/>
           </a:p>
         </p:txBody>
       </p:sp>
@@ -5044,6 +5014,7 @@
               <a:rPr lang="en-US"/>
               <a:t>Click to edit Master text styles</a:t>
             </a:r>
+            <a:endParaRPr lang="en-US"/>
           </a:p>
         </p:txBody>
       </p:sp>
@@ -5100,6 +5071,7 @@
               <a:rPr lang="en-US"/>
               <a:t>Click to edit Master text styles</a:t>
             </a:r>
+            <a:endParaRPr lang="en-US"/>
           </a:p>
           <a:p>
             <a:pPr lvl="1"/>
@@ -5107,6 +5079,7 @@
               <a:rPr lang="en-US"/>
               <a:t>Second level</a:t>
             </a:r>
+            <a:endParaRPr lang="en-US"/>
           </a:p>
           <a:p>
             <a:pPr lvl="2"/>
@@ -5114,6 +5087,7 @@
               <a:rPr lang="en-US"/>
               <a:t>Third level</a:t>
             </a:r>
+            <a:endParaRPr lang="en-US"/>
           </a:p>
           <a:p>
             <a:pPr lvl="3"/>
@@ -5121,6 +5095,7 @@
               <a:rPr lang="en-US"/>
               <a:t>Fourth level</a:t>
             </a:r>
+            <a:endParaRPr lang="en-US"/>
           </a:p>
           <a:p>
             <a:pPr lvl="4"/>
@@ -5128,6 +5103,7 @@
               <a:rPr lang="en-US"/>
               <a:t>Fifth level</a:t>
             </a:r>
+            <a:endParaRPr lang="en-US"/>
           </a:p>
         </p:txBody>
       </p:sp>
@@ -5193,6 +5169,7 @@
               <a:rPr lang="en-US"/>
               <a:t>Click to edit Master text styles</a:t>
             </a:r>
+            <a:endParaRPr lang="en-US"/>
           </a:p>
         </p:txBody>
       </p:sp>
@@ -5249,6 +5226,7 @@
               <a:rPr lang="en-US"/>
               <a:t>Click to edit Master text styles</a:t>
             </a:r>
+            <a:endParaRPr lang="en-US"/>
           </a:p>
           <a:p>
             <a:pPr lvl="1"/>
@@ -5256,6 +5234,7 @@
               <a:rPr lang="en-US"/>
               <a:t>Second level</a:t>
             </a:r>
+            <a:endParaRPr lang="en-US"/>
           </a:p>
           <a:p>
             <a:pPr lvl="2"/>
@@ -5263,6 +5242,7 @@
               <a:rPr lang="en-US"/>
               <a:t>Third level</a:t>
             </a:r>
+            <a:endParaRPr lang="en-US"/>
           </a:p>
           <a:p>
             <a:pPr lvl="3"/>
@@ -5270,6 +5250,7 @@
               <a:rPr lang="en-US"/>
               <a:t>Fourth level</a:t>
             </a:r>
+            <a:endParaRPr lang="en-US"/>
           </a:p>
           <a:p>
             <a:pPr lvl="4"/>
@@ -5277,6 +5258,7 @@
               <a:rPr lang="en-US"/>
               <a:t>Fifth level</a:t>
             </a:r>
+            <a:endParaRPr lang="en-US"/>
           </a:p>
         </p:txBody>
       </p:sp>
@@ -5297,8 +5279,6 @@
           <a:p>
             <a:fld id="{D98EC6FA-7C93-468E-A575-EDCD81EEFF70}" type="datetimeFigureOut">
               <a:rPr lang="en-US" smtClean="0"/>
-              <a:pPr/>
-              <a:t>8/2/2025</a:t>
             </a:fld>
             <a:endParaRPr lang="en-US"/>
           </a:p>
@@ -5340,8 +5320,6 @@
           <a:p>
             <a:fld id="{2B939A09-3475-4C1B-8F36-74BF0EBA845E}" type="slidenum">
               <a:rPr lang="en-US" smtClean="0"/>
-              <a:pPr/>
-              <a:t>‹#›</a:t>
             </a:fld>
             <a:endParaRPr lang="en-US"/>
           </a:p>
@@ -5391,6 +5369,7 @@
               <a:rPr lang="en-US"/>
               <a:t>Click to edit Master title style</a:t>
             </a:r>
+            <a:endParaRPr lang="en-US"/>
           </a:p>
         </p:txBody>
       </p:sp>
@@ -5411,8 +5390,6 @@
           <a:p>
             <a:fld id="{D98EC6FA-7C93-468E-A575-EDCD81EEFF70}" type="datetimeFigureOut">
               <a:rPr lang="en-US" smtClean="0"/>
-              <a:pPr/>
-              <a:t>8/2/2025</a:t>
             </a:fld>
             <a:endParaRPr lang="en-US"/>
           </a:p>
@@ -5454,8 +5431,6 @@
           <a:p>
             <a:fld id="{2B939A09-3475-4C1B-8F36-74BF0EBA845E}" type="slidenum">
               <a:rPr lang="en-US" smtClean="0"/>
-              <a:pPr/>
-              <a:t>‹#›</a:t>
             </a:fld>
             <a:endParaRPr lang="en-US"/>
           </a:p>
@@ -5503,8 +5478,6 @@
           <a:p>
             <a:fld id="{D98EC6FA-7C93-468E-A575-EDCD81EEFF70}" type="datetimeFigureOut">
               <a:rPr lang="en-US" smtClean="0"/>
-              <a:pPr/>
-              <a:t>8/2/2025</a:t>
             </a:fld>
             <a:endParaRPr lang="en-US"/>
           </a:p>
@@ -5546,8 +5519,6 @@
           <a:p>
             <a:fld id="{2B939A09-3475-4C1B-8F36-74BF0EBA845E}" type="slidenum">
               <a:rPr lang="en-US" smtClean="0"/>
-              <a:pPr/>
-              <a:t>‹#›</a:t>
             </a:fld>
             <a:endParaRPr lang="en-US"/>
           </a:p>
@@ -5606,6 +5577,7 @@
               <a:rPr lang="en-US"/>
               <a:t>Click to edit Master title style</a:t>
             </a:r>
+            <a:endParaRPr lang="en-US"/>
           </a:p>
         </p:txBody>
       </p:sp>
@@ -5662,6 +5634,7 @@
               <a:rPr lang="en-US"/>
               <a:t>Click to edit Master text styles</a:t>
             </a:r>
+            <a:endParaRPr lang="en-US"/>
           </a:p>
           <a:p>
             <a:pPr lvl="1"/>
@@ -5669,6 +5642,7 @@
               <a:rPr lang="en-US"/>
               <a:t>Second level</a:t>
             </a:r>
+            <a:endParaRPr lang="en-US"/>
           </a:p>
           <a:p>
             <a:pPr lvl="2"/>
@@ -5676,6 +5650,7 @@
               <a:rPr lang="en-US"/>
               <a:t>Third level</a:t>
             </a:r>
+            <a:endParaRPr lang="en-US"/>
           </a:p>
           <a:p>
             <a:pPr lvl="3"/>
@@ -5683,6 +5658,7 @@
               <a:rPr lang="en-US"/>
               <a:t>Fourth level</a:t>
             </a:r>
+            <a:endParaRPr lang="en-US"/>
           </a:p>
           <a:p>
             <a:pPr lvl="4"/>
@@ -5690,6 +5666,7 @@
               <a:rPr lang="en-US"/>
               <a:t>Fifth level</a:t>
             </a:r>
+            <a:endParaRPr lang="en-US"/>
           </a:p>
         </p:txBody>
       </p:sp>
@@ -5755,6 +5732,7 @@
               <a:rPr lang="en-US"/>
               <a:t>Click to edit Master text styles</a:t>
             </a:r>
+            <a:endParaRPr lang="en-US"/>
           </a:p>
         </p:txBody>
       </p:sp>
@@ -5775,8 +5753,6 @@
           <a:p>
             <a:fld id="{D98EC6FA-7C93-468E-A575-EDCD81EEFF70}" type="datetimeFigureOut">
               <a:rPr lang="en-US" smtClean="0"/>
-              <a:pPr/>
-              <a:t>8/2/2025</a:t>
             </a:fld>
             <a:endParaRPr lang="en-US"/>
           </a:p>
@@ -5818,8 +5794,6 @@
           <a:p>
             <a:fld id="{2B939A09-3475-4C1B-8F36-74BF0EBA845E}" type="slidenum">
               <a:rPr lang="en-US" smtClean="0"/>
-              <a:pPr/>
-              <a:t>‹#›</a:t>
             </a:fld>
             <a:endParaRPr lang="en-US"/>
           </a:p>
@@ -5878,6 +5852,7 @@
               <a:rPr lang="en-US"/>
               <a:t>Click to edit Master title style</a:t>
             </a:r>
+            <a:endParaRPr lang="en-US"/>
           </a:p>
         </p:txBody>
       </p:sp>
@@ -6004,6 +5979,7 @@
               <a:rPr lang="en-US"/>
               <a:t>Click to edit Master text styles</a:t>
             </a:r>
+            <a:endParaRPr lang="en-US"/>
           </a:p>
         </p:txBody>
       </p:sp>
@@ -6024,8 +6000,6 @@
           <a:p>
             <a:fld id="{D98EC6FA-7C93-468E-A575-EDCD81EEFF70}" type="datetimeFigureOut">
               <a:rPr lang="en-US" smtClean="0"/>
-              <a:pPr/>
-              <a:t>8/2/2025</a:t>
             </a:fld>
             <a:endParaRPr lang="en-US"/>
           </a:p>
@@ -6067,8 +6041,6 @@
           <a:p>
             <a:fld id="{2B939A09-3475-4C1B-8F36-74BF0EBA845E}" type="slidenum">
               <a:rPr lang="en-US" smtClean="0"/>
-              <a:pPr/>
-              <a:t>‹#›</a:t>
             </a:fld>
             <a:endParaRPr lang="en-US"/>
           </a:p>
@@ -6133,6 +6105,7 @@
               <a:rPr lang="en-US"/>
               <a:t>Click to edit Master title style</a:t>
             </a:r>
+            <a:endParaRPr lang="en-US"/>
           </a:p>
         </p:txBody>
       </p:sp>
@@ -6166,6 +6139,7 @@
               <a:rPr lang="en-US"/>
               <a:t>Click to edit Master text styles</a:t>
             </a:r>
+            <a:endParaRPr lang="en-US"/>
           </a:p>
           <a:p>
             <a:pPr lvl="1"/>
@@ -6173,6 +6147,7 @@
               <a:rPr lang="en-US"/>
               <a:t>Second level</a:t>
             </a:r>
+            <a:endParaRPr lang="en-US"/>
           </a:p>
           <a:p>
             <a:pPr lvl="2"/>
@@ -6180,6 +6155,7 @@
               <a:rPr lang="en-US"/>
               <a:t>Third level</a:t>
             </a:r>
+            <a:endParaRPr lang="en-US"/>
           </a:p>
           <a:p>
             <a:pPr lvl="3"/>
@@ -6187,6 +6163,7 @@
               <a:rPr lang="en-US"/>
               <a:t>Fourth level</a:t>
             </a:r>
+            <a:endParaRPr lang="en-US"/>
           </a:p>
           <a:p>
             <a:pPr lvl="4"/>
@@ -6194,6 +6171,7 @@
               <a:rPr lang="en-US"/>
               <a:t>Fifth level</a:t>
             </a:r>
+            <a:endParaRPr lang="en-US"/>
           </a:p>
         </p:txBody>
       </p:sp>
@@ -6232,8 +6210,6 @@
           <a:p>
             <a:fld id="{D98EC6FA-7C93-468E-A575-EDCD81EEFF70}" type="datetimeFigureOut">
               <a:rPr lang="en-US" smtClean="0"/>
-              <a:pPr/>
-              <a:t>8/2/2025</a:t>
             </a:fld>
             <a:endParaRPr lang="en-US"/>
           </a:p>
@@ -6311,8 +6287,6 @@
           <a:p>
             <a:fld id="{2B939A09-3475-4C1B-8F36-74BF0EBA845E}" type="slidenum">
               <a:rPr lang="en-US" smtClean="0"/>
-              <a:pPr/>
-              <a:t>‹#›</a:t>
             </a:fld>
             <a:endParaRPr lang="en-US"/>
           </a:p>
@@ -6322,17 +6296,17 @@
   </p:cSld>
   <p:clrMap bg1="lt1" tx1="dk1" bg2="lt2" tx2="dk2" accent1="accent1" accent2="accent2" accent3="accent3" accent4="accent4" accent5="accent5" accent6="accent6" hlink="hlink" folHlink="folHlink"/>
   <p:sldLayoutIdLst>
-    <p:sldLayoutId id="2147483661" r:id="rId1"/>
-    <p:sldLayoutId id="2147483662" r:id="rId2"/>
-    <p:sldLayoutId id="2147483663" r:id="rId3"/>
-    <p:sldLayoutId id="2147483664" r:id="rId4"/>
-    <p:sldLayoutId id="2147483665" r:id="rId5"/>
-    <p:sldLayoutId id="2147483666" r:id="rId6"/>
-    <p:sldLayoutId id="2147483667" r:id="rId7"/>
-    <p:sldLayoutId id="2147483668" r:id="rId8"/>
-    <p:sldLayoutId id="2147483669" r:id="rId9"/>
-    <p:sldLayoutId id="2147483670" r:id="rId10"/>
-    <p:sldLayoutId id="2147483671" r:id="rId11"/>
+    <p:sldLayoutId id="2147483649" r:id="rId1"/>
+    <p:sldLayoutId id="2147483650" r:id="rId2"/>
+    <p:sldLayoutId id="2147483651" r:id="rId3"/>
+    <p:sldLayoutId id="2147483652" r:id="rId4"/>
+    <p:sldLayoutId id="2147483653" r:id="rId5"/>
+    <p:sldLayoutId id="2147483654" r:id="rId6"/>
+    <p:sldLayoutId id="2147483655" r:id="rId7"/>
+    <p:sldLayoutId id="2147483656" r:id="rId8"/>
+    <p:sldLayoutId id="2147483657" r:id="rId9"/>
+    <p:sldLayoutId id="2147483658" r:id="rId10"/>
+    <p:sldLayoutId id="2147483659" r:id="rId11"/>
   </p:sldLayoutIdLst>
   <p:txStyles>
     <p:titleStyle>
@@ -6356,7 +6330,7 @@
         <a:spcBef>
           <a:spcPct val="20000"/>
         </a:spcBef>
-        <a:buFont typeface="Arial" pitchFamily="34" charset="0"/>
+        <a:buFont typeface="Arial" panose="020B0604020202020204" pitchFamily="34" charset="0"/>
         <a:buChar char="•"/>
         <a:defRPr sz="3200" kern="1200">
           <a:solidFill>
@@ -6371,7 +6345,7 @@
         <a:spcBef>
           <a:spcPct val="20000"/>
         </a:spcBef>
-        <a:buFont typeface="Arial" pitchFamily="34" charset="0"/>
+        <a:buFont typeface="Arial" panose="020B0604020202020204" pitchFamily="34" charset="0"/>
         <a:buChar char="–"/>
         <a:defRPr sz="2800" kern="1200">
           <a:solidFill>
@@ -6386,7 +6360,7 @@
         <a:spcBef>
           <a:spcPct val="20000"/>
         </a:spcBef>
-        <a:buFont typeface="Arial" pitchFamily="34" charset="0"/>
+        <a:buFont typeface="Arial" panose="020B0604020202020204" pitchFamily="34" charset="0"/>
         <a:buChar char="•"/>
         <a:defRPr sz="2400" kern="1200">
           <a:solidFill>
@@ -6401,7 +6375,7 @@
         <a:spcBef>
           <a:spcPct val="20000"/>
         </a:spcBef>
-        <a:buFont typeface="Arial" pitchFamily="34" charset="0"/>
+        <a:buFont typeface="Arial" panose="020B0604020202020204" pitchFamily="34" charset="0"/>
         <a:buChar char="–"/>
         <a:defRPr sz="2000" kern="1200">
           <a:solidFill>
@@ -6416,7 +6390,7 @@
         <a:spcBef>
           <a:spcPct val="20000"/>
         </a:spcBef>
-        <a:buFont typeface="Arial" pitchFamily="34" charset="0"/>
+        <a:buFont typeface="Arial" panose="020B0604020202020204" pitchFamily="34" charset="0"/>
         <a:buChar char="»"/>
         <a:defRPr sz="2000" kern="1200">
           <a:solidFill>
@@ -6431,7 +6405,7 @@
         <a:spcBef>
           <a:spcPct val="20000"/>
         </a:spcBef>
-        <a:buFont typeface="Arial" pitchFamily="34" charset="0"/>
+        <a:buFont typeface="Arial" panose="020B0604020202020204" pitchFamily="34" charset="0"/>
         <a:buChar char="•"/>
         <a:defRPr sz="2000" kern="1200">
           <a:solidFill>
@@ -6446,7 +6420,7 @@
         <a:spcBef>
           <a:spcPct val="20000"/>
         </a:spcBef>
-        <a:buFont typeface="Arial" pitchFamily="34" charset="0"/>
+        <a:buFont typeface="Arial" panose="020B0604020202020204" pitchFamily="34" charset="0"/>
         <a:buChar char="•"/>
         <a:defRPr sz="2000" kern="1200">
           <a:solidFill>
@@ -6461,7 +6435,7 @@
         <a:spcBef>
           <a:spcPct val="20000"/>
         </a:spcBef>
-        <a:buFont typeface="Arial" pitchFamily="34" charset="0"/>
+        <a:buFont typeface="Arial" panose="020B0604020202020204" pitchFamily="34" charset="0"/>
         <a:buChar char="•"/>
         <a:defRPr sz="2000" kern="1200">
           <a:solidFill>
@@ -6476,7 +6450,7 @@
         <a:spcBef>
           <a:spcPct val="20000"/>
         </a:spcBef>
-        <a:buFont typeface="Arial" pitchFamily="34" charset="0"/>
+        <a:buFont typeface="Arial" panose="020B0604020202020204" pitchFamily="34" charset="0"/>
         <a:buChar char="•"/>
         <a:defRPr sz="2000" kern="1200">
           <a:solidFill>
@@ -6618,13 +6592,7 @@
           <p:nvPr/>
         </p:nvPicPr>
         <p:blipFill>
-          <a:blip r:embed="rId14" cstate="screen">
-            <a:extLst>
-              <a:ext uri="{28A0092B-C50C-407E-A947-70E740481C1C}">
-                <a14:useLocalDpi xmlns:a14="http://schemas.microsoft.com/office/drawing/2010/main"/>
-              </a:ext>
-            </a:extLst>
-          </a:blip>
+          <a:blip r:embed="rId13" cstate="screen"/>
           <a:srcRect/>
           <a:stretch>
             <a:fillRect/>
@@ -6656,13 +6624,7 @@
           <p:nvPr/>
         </p:nvPicPr>
         <p:blipFill>
-          <a:blip r:embed="rId15" cstate="screen">
-            <a:extLst>
-              <a:ext uri="{28A0092B-C50C-407E-A947-70E740481C1C}">
-                <a14:useLocalDpi xmlns:a14="http://schemas.microsoft.com/office/drawing/2010/main"/>
-              </a:ext>
-            </a:extLst>
-          </a:blip>
+          <a:blip r:embed="rId14" cstate="screen"/>
           <a:stretch>
             <a:fillRect/>
           </a:stretch>
@@ -6699,16 +6661,10 @@
           <a:ln w="9525">
             <a:noFill/>
             <a:miter lim="800000"/>
-            <a:headEnd/>
-            <a:tailEnd/>
           </a:ln>
         </p:spPr>
         <p:txBody>
-          <a:bodyPr vert="horz" wrap="square" lIns="91440" tIns="45720" rIns="91440" bIns="45720" numCol="1" anchor="t" anchorCtr="0" compatLnSpc="1">
-            <a:prstTxWarp prst="textNoShape">
-              <a:avLst/>
-            </a:prstTxWarp>
-          </a:bodyPr>
+          <a:bodyPr vert="horz" wrap="square" lIns="91440" tIns="45720" rIns="91440" bIns="45720" numCol="1" anchor="t" anchorCtr="0" compatLnSpc="1"/>
           <a:lstStyle/>
           <a:p>
             <a:pPr lvl="0"/>
@@ -6742,16 +6698,10 @@
           <a:ln w="9525">
             <a:noFill/>
             <a:miter lim="800000"/>
-            <a:headEnd/>
-            <a:tailEnd/>
           </a:ln>
         </p:spPr>
         <p:txBody>
-          <a:bodyPr vert="horz" wrap="square" lIns="91440" tIns="45720" rIns="91440" bIns="45720" numCol="1" anchor="t" anchorCtr="0" compatLnSpc="1">
-            <a:prstTxWarp prst="textNoShape">
-              <a:avLst/>
-            </a:prstTxWarp>
-          </a:bodyPr>
+          <a:bodyPr vert="horz" wrap="square" lIns="91440" tIns="45720" rIns="91440" bIns="45720" numCol="1" anchor="t" anchorCtr="0" compatLnSpc="1"/>
           <a:lstStyle/>
           <a:p>
             <a:pPr lvl="0"/>
@@ -6759,6 +6709,7 @@
               <a:rPr lang="en-US"/>
               <a:t>Click to edit Master text styles</a:t>
             </a:r>
+            <a:endParaRPr lang="en-US"/>
           </a:p>
           <a:p>
             <a:pPr lvl="1"/>
@@ -6766,6 +6717,7 @@
               <a:rPr lang="en-US"/>
               <a:t>Second level</a:t>
             </a:r>
+            <a:endParaRPr lang="en-US"/>
           </a:p>
           <a:p>
             <a:pPr lvl="2"/>
@@ -6773,6 +6725,7 @@
               <a:rPr lang="en-US"/>
               <a:t>Third level</a:t>
             </a:r>
+            <a:endParaRPr lang="en-US"/>
           </a:p>
           <a:p>
             <a:pPr lvl="3"/>
@@ -6780,6 +6733,7 @@
               <a:rPr lang="en-US"/>
               <a:t>Fourth level</a:t>
             </a:r>
+            <a:endParaRPr lang="en-US"/>
           </a:p>
           <a:p>
             <a:pPr lvl="4"/>
@@ -6794,9 +6748,7 @@
       <p:sp>
         <p:nvSpPr>
           <p:cNvPr id="6" name="Footer Placeholder 4"/>
-          <p:cNvSpPr txBox="1">
-            <a:spLocks/>
-          </p:cNvSpPr>
+          <p:cNvSpPr txBox="1"/>
           <p:nvPr/>
         </p:nvSpPr>
         <p:spPr>
@@ -6809,19 +6761,15 @@
           </a:prstGeom>
         </p:spPr>
         <p:txBody>
-          <a:bodyPr vert="horz" wrap="square" lIns="91440" tIns="45720" rIns="91440" bIns="45720" numCol="1" anchor="ctr" anchorCtr="0" compatLnSpc="1">
-            <a:prstTxWarp prst="textNoShape">
-              <a:avLst/>
-            </a:prstTxWarp>
-          </a:bodyPr>
+          <a:bodyPr vert="horz" wrap="square" lIns="91440" tIns="45720" rIns="91440" bIns="45720" numCol="1" anchor="ctr" anchorCtr="0" compatLnSpc="1"/>
           <a:lstStyle>
             <a:lvl1pPr algn="r">
               <a:defRPr sz="1000">
                 <a:solidFill>
                   <a:schemeClr val="bg1"/>
                 </a:solidFill>
-                <a:latin typeface="Arial" pitchFamily="34" charset="0"/>
-                <a:cs typeface="Arial" pitchFamily="34" charset="0"/>
+                <a:latin typeface="Arial" panose="020B0604020202020204" pitchFamily="34" charset="0"/>
+                <a:cs typeface="Arial" panose="020B0604020202020204" pitchFamily="34" charset="0"/>
               </a:defRPr>
             </a:lvl1pPr>
           </a:lstStyle>
@@ -6840,7 +6788,6 @@
               <a:buSzTx/>
               <a:buFontTx/>
               <a:buNone/>
-              <a:tabLst/>
               <a:defRPr/>
             </a:pPr>
             <a:r>
@@ -6854,21 +6801,33 @@
                 <a:effectLst/>
                 <a:uLnTx/>
                 <a:uFillTx/>
-                <a:latin typeface="Arial" pitchFamily="34" charset="0"/>
+                <a:latin typeface="Arial" panose="020B0604020202020204" pitchFamily="34" charset="0"/>
                 <a:ea typeface="+mn-ea"/>
-                <a:cs typeface="Arial" pitchFamily="34" charset="0"/>
+                <a:cs typeface="Arial" panose="020B0604020202020204" pitchFamily="34" charset="0"/>
               </a:rPr>
               <a:t>© FPT University 2025</a:t>
             </a:r>
+            <a:endParaRPr kumimoji="0" lang="en-US" sz="1000" b="0" i="0" u="none" strike="noStrike" kern="1200" cap="none" spc="0" normalizeH="0" baseline="0" noProof="0" dirty="0">
+              <a:ln>
+                <a:noFill/>
+              </a:ln>
+              <a:solidFill>
+                <a:schemeClr val="bg1"/>
+              </a:solidFill>
+              <a:effectLst/>
+              <a:uLnTx/>
+              <a:uFillTx/>
+              <a:latin typeface="Arial" panose="020B0604020202020204" pitchFamily="34" charset="0"/>
+              <a:ea typeface="+mn-ea"/>
+              <a:cs typeface="Arial" panose="020B0604020202020204" pitchFamily="34" charset="0"/>
+            </a:endParaRPr>
           </a:p>
         </p:txBody>
       </p:sp>
       <p:sp>
         <p:nvSpPr>
           <p:cNvPr id="8" name="Slide Number Placeholder 5"/>
-          <p:cNvSpPr txBox="1">
-            <a:spLocks/>
-          </p:cNvSpPr>
+          <p:cNvSpPr txBox="1"/>
           <p:nvPr/>
         </p:nvSpPr>
         <p:spPr>
@@ -6881,19 +6840,15 @@
           </a:prstGeom>
         </p:spPr>
         <p:txBody>
-          <a:bodyPr vert="horz" wrap="square" lIns="91440" tIns="45720" rIns="91440" bIns="45720" numCol="1" anchor="ctr" anchorCtr="0" compatLnSpc="1">
-            <a:prstTxWarp prst="textNoShape">
-              <a:avLst/>
-            </a:prstTxWarp>
-          </a:bodyPr>
+          <a:bodyPr vert="horz" wrap="square" lIns="91440" tIns="45720" rIns="91440" bIns="45720" numCol="1" anchor="ctr" anchorCtr="0" compatLnSpc="1"/>
           <a:lstStyle>
             <a:lvl1pPr algn="r">
               <a:defRPr sz="1000">
                 <a:solidFill>
                   <a:schemeClr val="bg1"/>
                 </a:solidFill>
-                <a:latin typeface="Arial" pitchFamily="34" charset="0"/>
-                <a:cs typeface="Arial" pitchFamily="34" charset="0"/>
+                <a:latin typeface="Arial" panose="020B0604020202020204" pitchFamily="34" charset="0"/>
+                <a:cs typeface="Arial" panose="020B0604020202020204" pitchFamily="34" charset="0"/>
               </a:defRPr>
             </a:lvl1pPr>
           </a:lstStyle>
@@ -6912,7 +6867,6 @@
               <a:buSzTx/>
               <a:buFontTx/>
               <a:buNone/>
-              <a:tabLst/>
               <a:defRPr/>
             </a:pPr>
             <a:fld id="{D84F1FFC-C151-4ABD-8AD1-CE75123F0C80}" type="slidenum">
@@ -6926,28 +6880,10 @@
                 <a:effectLst/>
                 <a:uLnTx/>
                 <a:uFillTx/>
-                <a:latin typeface="Arial" pitchFamily="34" charset="0"/>
+                <a:latin typeface="Arial" panose="020B0604020202020204" pitchFamily="34" charset="0"/>
                 <a:ea typeface="+mn-ea"/>
-                <a:cs typeface="Arial" pitchFamily="34" charset="0"/>
+                <a:cs typeface="Arial" panose="020B0604020202020204" pitchFamily="34" charset="0"/>
               </a:rPr>
-              <a:pPr marL="0" marR="0" lvl="0" indent="0" algn="r" defTabSz="914400" rtl="0" eaLnBrk="1" fontAlgn="auto" latinLnBrk="0" hangingPunct="1">
-                <a:lnSpc>
-                  <a:spcPct val="100000"/>
-                </a:lnSpc>
-                <a:spcBef>
-                  <a:spcPts val="0"/>
-                </a:spcBef>
-                <a:spcAft>
-                  <a:spcPts val="0"/>
-                </a:spcAft>
-                <a:buClrTx/>
-                <a:buSzTx/>
-                <a:buFontTx/>
-                <a:buNone/>
-                <a:tabLst/>
-                <a:defRPr/>
-              </a:pPr>
-              <a:t>‹#›</a:t>
             </a:fld>
             <a:endParaRPr kumimoji="0" lang="en-US" sz="1000" b="0" i="0" u="none" strike="noStrike" kern="1200" cap="none" spc="0" normalizeH="0" baseline="0" noProof="0" dirty="0">
               <a:ln>
@@ -6959,9 +6895,9 @@
               <a:effectLst/>
               <a:uLnTx/>
               <a:uFillTx/>
-              <a:latin typeface="Arial" pitchFamily="34" charset="0"/>
+              <a:latin typeface="Arial" panose="020B0604020202020204" pitchFamily="34" charset="0"/>
               <a:ea typeface="+mn-ea"/>
-              <a:cs typeface="Arial" pitchFamily="34" charset="0"/>
+              <a:cs typeface="Arial" panose="020B0604020202020204" pitchFamily="34" charset="0"/>
             </a:endParaRPr>
           </a:p>
         </p:txBody>
@@ -7016,18 +6952,18 @@
   </p:cSld>
   <p:clrMap bg1="lt1" tx1="dk1" bg2="lt2" tx2="dk2" accent1="accent1" accent2="accent2" accent3="accent3" accent4="accent4" accent5="accent5" accent6="accent6" hlink="hlink" folHlink="folHlink"/>
   <p:sldLayoutIdLst>
-    <p:sldLayoutId id="2147483673" r:id="rId1"/>
-    <p:sldLayoutId id="2147483674" r:id="rId2"/>
-    <p:sldLayoutId id="2147483675" r:id="rId3"/>
-    <p:sldLayoutId id="2147483676" r:id="rId4"/>
-    <p:sldLayoutId id="2147483677" r:id="rId5"/>
-    <p:sldLayoutId id="2147483678" r:id="rId6"/>
-    <p:sldLayoutId id="2147483679" r:id="rId7"/>
-    <p:sldLayoutId id="2147483680" r:id="rId8"/>
-    <p:sldLayoutId id="2147483681" r:id="rId9"/>
-    <p:sldLayoutId id="2147483682" r:id="rId10"/>
-    <p:sldLayoutId id="2147483683" r:id="rId11"/>
-    <p:sldLayoutId id="2147483649" r:id="rId12"/>
+    <p:sldLayoutId id="2147483661" r:id="rId1"/>
+    <p:sldLayoutId id="2147483662" r:id="rId2"/>
+    <p:sldLayoutId id="2147483663" r:id="rId3"/>
+    <p:sldLayoutId id="2147483664" r:id="rId4"/>
+    <p:sldLayoutId id="2147483665" r:id="rId5"/>
+    <p:sldLayoutId id="2147483666" r:id="rId6"/>
+    <p:sldLayoutId id="2147483667" r:id="rId7"/>
+    <p:sldLayoutId id="2147483668" r:id="rId8"/>
+    <p:sldLayoutId id="2147483669" r:id="rId9"/>
+    <p:sldLayoutId id="2147483670" r:id="rId10"/>
+    <p:sldLayoutId id="2147483671" r:id="rId11"/>
+    <p:sldLayoutId id="2147483672" r:id="rId12"/>
   </p:sldLayoutIdLst>
   <p:hf hdr="0" dt="0"/>
   <p:txStyles>
@@ -7044,8 +6980,8 @@
             <a:schemeClr val="tx1"/>
           </a:solidFill>
           <a:latin typeface="+mj-lt"/>
-          <a:ea typeface="ＭＳ Ｐゴシック" pitchFamily="34" charset="-128"/>
-          <a:cs typeface="Arial" pitchFamily="34" charset="0"/>
+          <a:ea typeface="MS PGothic" panose="020B0600070205080204" pitchFamily="34" charset="-128"/>
+          <a:cs typeface="Arial" panose="020B0604020202020204" pitchFamily="34" charset="0"/>
         </a:defRPr>
       </a:lvl1pPr>
       <a:lvl2pPr algn="ctr" defTabSz="457200" rtl="0" eaLnBrk="1" fontAlgn="base" hangingPunct="1">
@@ -7059,8 +6995,8 @@
           <a:solidFill>
             <a:schemeClr val="tx1"/>
           </a:solidFill>
-          <a:latin typeface="Calibri" pitchFamily="34" charset="0"/>
-          <a:ea typeface="ＭＳ Ｐゴシック" pitchFamily="34" charset="-128"/>
+          <a:latin typeface="Calibri" panose="020F0502020204030204" pitchFamily="34" charset="0"/>
+          <a:ea typeface="MS PGothic" panose="020B0600070205080204" pitchFamily="34" charset="-128"/>
         </a:defRPr>
       </a:lvl2pPr>
       <a:lvl3pPr algn="ctr" defTabSz="457200" rtl="0" eaLnBrk="1" fontAlgn="base" hangingPunct="1">
@@ -7074,8 +7010,8 @@
           <a:solidFill>
             <a:schemeClr val="tx1"/>
           </a:solidFill>
-          <a:latin typeface="Calibri" pitchFamily="34" charset="0"/>
-          <a:ea typeface="ＭＳ Ｐゴシック" pitchFamily="34" charset="-128"/>
+          <a:latin typeface="Calibri" panose="020F0502020204030204" pitchFamily="34" charset="0"/>
+          <a:ea typeface="MS PGothic" panose="020B0600070205080204" pitchFamily="34" charset="-128"/>
         </a:defRPr>
       </a:lvl3pPr>
       <a:lvl4pPr algn="ctr" defTabSz="457200" rtl="0" eaLnBrk="1" fontAlgn="base" hangingPunct="1">
@@ -7089,8 +7025,8 @@
           <a:solidFill>
             <a:schemeClr val="tx1"/>
           </a:solidFill>
-          <a:latin typeface="Calibri" pitchFamily="34" charset="0"/>
-          <a:ea typeface="ＭＳ Ｐゴシック" pitchFamily="34" charset="-128"/>
+          <a:latin typeface="Calibri" panose="020F0502020204030204" pitchFamily="34" charset="0"/>
+          <a:ea typeface="MS PGothic" panose="020B0600070205080204" pitchFamily="34" charset="-128"/>
         </a:defRPr>
       </a:lvl4pPr>
       <a:lvl5pPr algn="ctr" defTabSz="457200" rtl="0" eaLnBrk="1" fontAlgn="base" hangingPunct="1">
@@ -7104,8 +7040,8 @@
           <a:solidFill>
             <a:schemeClr val="tx1"/>
           </a:solidFill>
-          <a:latin typeface="Calibri" pitchFamily="34" charset="0"/>
-          <a:ea typeface="ＭＳ Ｐゴシック" pitchFamily="34" charset="-128"/>
+          <a:latin typeface="Calibri" panose="020F0502020204030204" pitchFamily="34" charset="0"/>
+          <a:ea typeface="MS PGothic" panose="020B0600070205080204" pitchFamily="34" charset="-128"/>
         </a:defRPr>
       </a:lvl5pPr>
       <a:lvl6pPr marL="457200" algn="ctr" defTabSz="457200" rtl="0" eaLnBrk="1" fontAlgn="base" hangingPunct="1">
@@ -7119,8 +7055,8 @@
           <a:solidFill>
             <a:schemeClr val="tx1"/>
           </a:solidFill>
-          <a:latin typeface="Calibri" pitchFamily="34" charset="0"/>
-          <a:ea typeface="ＭＳ Ｐゴシック" pitchFamily="34" charset="-128"/>
+          <a:latin typeface="Calibri" panose="020F0502020204030204" pitchFamily="34" charset="0"/>
+          <a:ea typeface="MS PGothic" panose="020B0600070205080204" pitchFamily="34" charset="-128"/>
         </a:defRPr>
       </a:lvl6pPr>
       <a:lvl7pPr marL="914400" algn="ctr" defTabSz="457200" rtl="0" eaLnBrk="1" fontAlgn="base" hangingPunct="1">
@@ -7134,8 +7070,8 @@
           <a:solidFill>
             <a:schemeClr val="tx1"/>
           </a:solidFill>
-          <a:latin typeface="Calibri" pitchFamily="34" charset="0"/>
-          <a:ea typeface="ＭＳ Ｐゴシック" pitchFamily="34" charset="-128"/>
+          <a:latin typeface="Calibri" panose="020F0502020204030204" pitchFamily="34" charset="0"/>
+          <a:ea typeface="MS PGothic" panose="020B0600070205080204" pitchFamily="34" charset="-128"/>
         </a:defRPr>
       </a:lvl7pPr>
       <a:lvl8pPr marL="1371600" algn="ctr" defTabSz="457200" rtl="0" eaLnBrk="1" fontAlgn="base" hangingPunct="1">
@@ -7149,8 +7085,8 @@
           <a:solidFill>
             <a:schemeClr val="tx1"/>
           </a:solidFill>
-          <a:latin typeface="Calibri" pitchFamily="34" charset="0"/>
-          <a:ea typeface="ＭＳ Ｐゴシック" pitchFamily="34" charset="-128"/>
+          <a:latin typeface="Calibri" panose="020F0502020204030204" pitchFamily="34" charset="0"/>
+          <a:ea typeface="MS PGothic" panose="020B0600070205080204" pitchFamily="34" charset="-128"/>
         </a:defRPr>
       </a:lvl8pPr>
       <a:lvl9pPr marL="1828800" algn="ctr" defTabSz="457200" rtl="0" eaLnBrk="1" fontAlgn="base" hangingPunct="1">
@@ -7164,8 +7100,8 @@
           <a:solidFill>
             <a:schemeClr val="tx1"/>
           </a:solidFill>
-          <a:latin typeface="Calibri" pitchFamily="34" charset="0"/>
-          <a:ea typeface="ＭＳ Ｐゴシック" pitchFamily="34" charset="-128"/>
+          <a:latin typeface="Calibri" panose="020F0502020204030204" pitchFamily="34" charset="0"/>
+          <a:ea typeface="MS PGothic" panose="020B0600070205080204" pitchFamily="34" charset="-128"/>
         </a:defRPr>
       </a:lvl9pPr>
     </p:titleStyle>
@@ -7177,15 +7113,15 @@
         <a:spcAft>
           <a:spcPct val="0"/>
         </a:spcAft>
-        <a:buFont typeface="Arial" pitchFamily="34" charset="0"/>
+        <a:buFont typeface="Arial" panose="020B0604020202020204" pitchFamily="34" charset="0"/>
         <a:buChar char="•"/>
         <a:defRPr sz="3200" kern="1200">
           <a:solidFill>
             <a:schemeClr val="tx1"/>
           </a:solidFill>
           <a:latin typeface="+mj-lt"/>
-          <a:ea typeface="ＭＳ Ｐゴシック" pitchFamily="34" charset="-128"/>
-          <a:cs typeface="Arial" pitchFamily="34" charset="0"/>
+          <a:ea typeface="MS PGothic" panose="020B0600070205080204" pitchFamily="34" charset="-128"/>
+          <a:cs typeface="Arial" panose="020B0604020202020204" pitchFamily="34" charset="0"/>
         </a:defRPr>
       </a:lvl1pPr>
       <a:lvl2pPr marL="742950" indent="-285750" algn="l" defTabSz="457200" rtl="0" eaLnBrk="1" fontAlgn="base" hangingPunct="1">
@@ -7195,15 +7131,15 @@
         <a:spcAft>
           <a:spcPct val="0"/>
         </a:spcAft>
-        <a:buFont typeface="Arial" pitchFamily="34" charset="0"/>
+        <a:buFont typeface="Arial" panose="020B0604020202020204" pitchFamily="34" charset="0"/>
         <a:buChar char="–"/>
         <a:defRPr sz="2800" kern="1200">
           <a:solidFill>
             <a:schemeClr val="tx1"/>
           </a:solidFill>
           <a:latin typeface="+mj-lt"/>
-          <a:ea typeface="ＭＳ Ｐゴシック" pitchFamily="34" charset="-128"/>
-          <a:cs typeface="Arial" pitchFamily="34" charset="0"/>
+          <a:ea typeface="MS PGothic" panose="020B0600070205080204" pitchFamily="34" charset="-128"/>
+          <a:cs typeface="Arial" panose="020B0604020202020204" pitchFamily="34" charset="0"/>
         </a:defRPr>
       </a:lvl2pPr>
       <a:lvl3pPr marL="1143000" indent="-228600" algn="l" defTabSz="457200" rtl="0" eaLnBrk="1" fontAlgn="base" hangingPunct="1">
@@ -7213,15 +7149,15 @@
         <a:spcAft>
           <a:spcPct val="0"/>
         </a:spcAft>
-        <a:buFont typeface="Arial" pitchFamily="34" charset="0"/>
+        <a:buFont typeface="Arial" panose="020B0604020202020204" pitchFamily="34" charset="0"/>
         <a:buChar char="•"/>
         <a:defRPr sz="2400" kern="1200">
           <a:solidFill>
             <a:schemeClr val="tx1"/>
           </a:solidFill>
           <a:latin typeface="+mj-lt"/>
-          <a:ea typeface="ＭＳ Ｐゴシック" pitchFamily="34" charset="-128"/>
-          <a:cs typeface="Arial" pitchFamily="34" charset="0"/>
+          <a:ea typeface="MS PGothic" panose="020B0600070205080204" pitchFamily="34" charset="-128"/>
+          <a:cs typeface="Arial" panose="020B0604020202020204" pitchFamily="34" charset="0"/>
         </a:defRPr>
       </a:lvl3pPr>
       <a:lvl4pPr marL="1600200" indent="-228600" algn="l" defTabSz="457200" rtl="0" eaLnBrk="1" fontAlgn="base" hangingPunct="1">
@@ -7231,15 +7167,15 @@
         <a:spcAft>
           <a:spcPct val="0"/>
         </a:spcAft>
-        <a:buFont typeface="Arial" pitchFamily="34" charset="0"/>
+        <a:buFont typeface="Arial" panose="020B0604020202020204" pitchFamily="34" charset="0"/>
         <a:buChar char="–"/>
         <a:defRPr sz="2000" kern="1200">
           <a:solidFill>
             <a:schemeClr val="tx1"/>
           </a:solidFill>
           <a:latin typeface="+mj-lt"/>
-          <a:ea typeface="ＭＳ Ｐゴシック" pitchFamily="34" charset="-128"/>
-          <a:cs typeface="Arial" pitchFamily="34" charset="0"/>
+          <a:ea typeface="MS PGothic" panose="020B0600070205080204" pitchFamily="34" charset="-128"/>
+          <a:cs typeface="Arial" panose="020B0604020202020204" pitchFamily="34" charset="0"/>
         </a:defRPr>
       </a:lvl4pPr>
       <a:lvl5pPr marL="2057400" indent="-228600" algn="l" defTabSz="457200" rtl="0" eaLnBrk="1" fontAlgn="base" hangingPunct="1">
@@ -7249,22 +7185,22 @@
         <a:spcAft>
           <a:spcPct val="0"/>
         </a:spcAft>
-        <a:buFont typeface="Arial" pitchFamily="34" charset="0"/>
+        <a:buFont typeface="Arial" panose="020B0604020202020204" pitchFamily="34" charset="0"/>
         <a:buChar char="»"/>
         <a:defRPr sz="2000" kern="1200">
           <a:solidFill>
             <a:schemeClr val="tx1"/>
           </a:solidFill>
           <a:latin typeface="+mj-lt"/>
-          <a:ea typeface="ＭＳ Ｐゴシック" pitchFamily="34" charset="-128"/>
-          <a:cs typeface="Arial" pitchFamily="34" charset="0"/>
+          <a:ea typeface="MS PGothic" panose="020B0600070205080204" pitchFamily="34" charset="-128"/>
+          <a:cs typeface="Arial" panose="020B0604020202020204" pitchFamily="34" charset="0"/>
         </a:defRPr>
       </a:lvl5pPr>
       <a:lvl6pPr marL="2514600" indent="-228600" algn="l" defTabSz="457200" rtl="0" eaLnBrk="1" latinLnBrk="0" hangingPunct="1">
         <a:spcBef>
           <a:spcPct val="20000"/>
         </a:spcBef>
-        <a:buFont typeface="Arial"/>
+        <a:buFont typeface="Arial" panose="020B0604020202020204"/>
         <a:buChar char="•"/>
         <a:defRPr sz="2000" kern="1200">
           <a:solidFill>
@@ -7279,7 +7215,7 @@
         <a:spcBef>
           <a:spcPct val="20000"/>
         </a:spcBef>
-        <a:buFont typeface="Arial"/>
+        <a:buFont typeface="Arial" panose="020B0604020202020204"/>
         <a:buChar char="•"/>
         <a:defRPr sz="2000" kern="1200">
           <a:solidFill>
@@ -7294,7 +7230,7 @@
         <a:spcBef>
           <a:spcPct val="20000"/>
         </a:spcBef>
-        <a:buFont typeface="Arial"/>
+        <a:buFont typeface="Arial" panose="020B0604020202020204"/>
         <a:buChar char="•"/>
         <a:defRPr sz="2000" kern="1200">
           <a:solidFill>
@@ -7309,7 +7245,7 @@
         <a:spcBef>
           <a:spcPct val="20000"/>
         </a:spcBef>
-        <a:buFont typeface="Arial"/>
+        <a:buFont typeface="Arial" panose="020B0604020202020204"/>
         <a:buChar char="•"/>
         <a:defRPr sz="2000" kern="1200">
           <a:solidFill>
@@ -7426,13 +7362,7 @@
     <p:bg>
       <p:bgPr>
         <a:blipFill dpi="0" rotWithShape="0">
-          <a:blip r:embed="rId2" cstate="screen">
-            <a:extLst>
-              <a:ext uri="{28A0092B-C50C-407E-A947-70E740481C1C}">
-                <a14:useLocalDpi xmlns:a14="http://schemas.microsoft.com/office/drawing/2010/main"/>
-              </a:ext>
-            </a:extLst>
-          </a:blip>
+          <a:blip r:embed="rId1" cstate="screen"/>
           <a:srcRect/>
           <a:stretch>
             <a:fillRect/>
@@ -7509,13 +7439,7 @@
           <p:nvPr/>
         </p:nvPicPr>
         <p:blipFill>
-          <a:blip r:embed="rId3" cstate="screen">
-            <a:extLst>
-              <a:ext uri="{28A0092B-C50C-407E-A947-70E740481C1C}">
-                <a14:useLocalDpi xmlns:a14="http://schemas.microsoft.com/office/drawing/2010/main"/>
-              </a:ext>
-            </a:extLst>
-          </a:blip>
+          <a:blip r:embed="rId2" cstate="screen"/>
           <a:stretch>
             <a:fillRect/>
           </a:stretch>
@@ -7550,8 +7474,6 @@
           <a:ln w="9525">
             <a:noFill/>
             <a:round/>
-            <a:headEnd/>
-            <a:tailEnd/>
           </a:ln>
         </p:spPr>
         <p:txBody>
@@ -7571,6 +7493,13 @@
               </a:rPr>
               <a:t>FPT EDUCATION</a:t>
             </a:r>
+            <a:endParaRPr lang="en-US" sz="3200" b="1" i="0" dirty="0">
+              <a:solidFill>
+                <a:schemeClr val="bg1"/>
+              </a:solidFill>
+              <a:effectLst/>
+              <a:latin typeface="Open Sans" panose="020B0606030504020204" pitchFamily="34" charset="0"/>
+            </a:endParaRPr>
           </a:p>
         </p:txBody>
       </p:sp>
@@ -7594,8 +7523,6 @@
           <a:ln w="9525">
             <a:noFill/>
             <a:round/>
-            <a:headEnd/>
-            <a:tailEnd/>
           </a:ln>
         </p:spPr>
         <p:txBody>
@@ -7615,7 +7542,7 @@
                 <a:srgbClr val="000000"/>
               </a:buClr>
               <a:buSzPct val="100000"/>
-              <a:buFont typeface="Times New Roman" pitchFamily="18" charset="0"/>
+              <a:buFont typeface="Times New Roman" panose="02020603050405020304" pitchFamily="18" charset="0"/>
               <a:buNone/>
               <a:tabLst>
                 <a:tab pos="0" algn="l"/>
@@ -7643,6 +7570,13 @@
               </a:rPr>
               <a:t>Arduino - ESP8266/ESP32 - Raspberry Pi</a:t>
             </a:r>
+            <a:endParaRPr lang="en-US" sz="3600" b="1" dirty="0">
+              <a:solidFill>
+                <a:schemeClr val="bg1"/>
+              </a:solidFill>
+              <a:latin typeface="Times New Roman" panose="02020603050405020304" pitchFamily="18" charset="0"/>
+              <a:cs typeface="Times New Roman" panose="02020603050405020304" pitchFamily="18" charset="0"/>
+            </a:endParaRPr>
           </a:p>
           <a:p>
             <a:pPr algn="ctr" fontAlgn="auto">
@@ -7656,7 +7590,7 @@
                 <a:srgbClr val="000000"/>
               </a:buClr>
               <a:buSzPct val="100000"/>
-              <a:buFont typeface="Times New Roman" pitchFamily="18" charset="0"/>
+              <a:buFont typeface="Times New Roman" panose="02020603050405020304" pitchFamily="18" charset="0"/>
               <a:buNone/>
               <a:tabLst>
                 <a:tab pos="0" algn="l"/>
@@ -7723,8 +7657,6 @@
           <a:ln w="9525">
             <a:noFill/>
             <a:round/>
-            <a:headEnd/>
-            <a:tailEnd/>
           </a:ln>
         </p:spPr>
         <p:txBody>
@@ -7735,13 +7667,13 @@
           <a:p>
             <a:pPr>
               <a:spcBef>
-                <a:spcPts val="1063"/>
+                <a:spcPts val="1065"/>
               </a:spcBef>
               <a:buClr>
                 <a:srgbClr val="000000"/>
               </a:buClr>
               <a:buSzPct val="100000"/>
-              <a:buFont typeface="Times New Roman" pitchFamily="18" charset="0"/>
+              <a:buFont typeface="Times New Roman" panose="02020603050405020304" pitchFamily="18" charset="0"/>
               <a:buNone/>
               <a:tabLst>
                 <a:tab pos="0" algn="l"/>
@@ -7764,21 +7696,28 @@
                   <a:schemeClr val="bg1"/>
                 </a:solidFill>
                 <a:latin typeface="+mj-lt"/>
-                <a:cs typeface="Arial" pitchFamily="34" charset="0"/>
+                <a:cs typeface="Arial" panose="020B0604020202020204" pitchFamily="34" charset="0"/>
               </a:rPr>
               <a:t>Version 3.1</a:t>
             </a:r>
+            <a:endParaRPr lang="en-US" sz="2000">
+              <a:solidFill>
+                <a:schemeClr val="bg1"/>
+              </a:solidFill>
+              <a:latin typeface="+mj-lt"/>
+              <a:cs typeface="Arial" panose="020B0604020202020204" pitchFamily="34" charset="0"/>
+            </a:endParaRPr>
           </a:p>
           <a:p>
             <a:pPr>
               <a:spcBef>
-                <a:spcPts val="1063"/>
+                <a:spcPts val="1065"/>
               </a:spcBef>
               <a:buClr>
                 <a:srgbClr val="000000"/>
               </a:buClr>
               <a:buSzPct val="100000"/>
-              <a:buFont typeface="Times New Roman" pitchFamily="18" charset="0"/>
+              <a:buFont typeface="Times New Roman" panose="02020603050405020304" pitchFamily="18" charset="0"/>
               <a:buNone/>
               <a:tabLst>
                 <a:tab pos="0" algn="l"/>
@@ -7800,7 +7739,7 @@
                 <a:schemeClr val="bg1"/>
               </a:solidFill>
               <a:latin typeface="+mj-lt"/>
-              <a:cs typeface="Arial" pitchFamily="34" charset="0"/>
+              <a:cs typeface="Arial" panose="020B0604020202020204" pitchFamily="34" charset="0"/>
             </a:endParaRPr>
           </a:p>
         </p:txBody>
@@ -7814,13 +7753,7 @@
           <p:nvPr/>
         </p:nvPicPr>
         <p:blipFill>
-          <a:blip r:embed="rId4" cstate="screen">
-            <a:extLst>
-              <a:ext uri="{28A0092B-C50C-407E-A947-70E740481C1C}">
-                <a14:useLocalDpi xmlns:a14="http://schemas.microsoft.com/office/drawing/2010/main"/>
-              </a:ext>
-            </a:extLst>
-          </a:blip>
+          <a:blip r:embed="rId3" cstate="screen"/>
           <a:stretch>
             <a:fillRect/>
           </a:stretch>
@@ -7837,13 +7770,7 @@
       </p:pic>
       <p:sp>
         <p:nvSpPr>
-          <p:cNvPr id="9" name="Text Box 10">
-            <a:extLst>
-              <a:ext uri="{FF2B5EF4-FFF2-40B4-BE49-F238E27FC236}">
-                <a16:creationId xmlns:a16="http://schemas.microsoft.com/office/drawing/2014/main" id="{A3325BFA-94E9-48D7-B1B0-76477764313F}"/>
-              </a:ext>
-            </a:extLst>
-          </p:cNvPr>
+          <p:cNvPr id="9" name="Text Box 10"/>
           <p:cNvSpPr txBox="1">
             <a:spLocks noChangeArrowheads="1"/>
           </p:cNvSpPr>
@@ -7861,8 +7788,6 @@
           <a:ln w="9525">
             <a:noFill/>
             <a:round/>
-            <a:headEnd/>
-            <a:tailEnd/>
           </a:ln>
         </p:spPr>
         <p:txBody>
@@ -7873,13 +7798,13 @@
           <a:p>
             <a:pPr>
               <a:spcBef>
-                <a:spcPts val="1063"/>
+                <a:spcPts val="1065"/>
               </a:spcBef>
               <a:buClr>
                 <a:srgbClr val="000000"/>
               </a:buClr>
               <a:buSzPct val="100000"/>
-              <a:buFont typeface="Times New Roman" pitchFamily="18" charset="0"/>
+              <a:buFont typeface="Times New Roman" panose="02020603050405020304" pitchFamily="18" charset="0"/>
               <a:buNone/>
               <a:tabLst>
                 <a:tab pos="0" algn="l"/>
@@ -7902,21 +7827,28 @@
                   <a:schemeClr val="bg1"/>
                 </a:solidFill>
                 <a:latin typeface="+mj-lt"/>
-                <a:cs typeface="Arial" pitchFamily="34" charset="0"/>
+                <a:cs typeface="Arial" panose="020B0604020202020204" pitchFamily="34" charset="0"/>
               </a:rPr>
               <a:t>04/08/2025</a:t>
             </a:r>
+            <a:endParaRPr lang="en-US" sz="2000" dirty="0">
+              <a:solidFill>
+                <a:schemeClr val="bg1"/>
+              </a:solidFill>
+              <a:latin typeface="+mj-lt"/>
+              <a:cs typeface="Arial" panose="020B0604020202020204" pitchFamily="34" charset="0"/>
+            </a:endParaRPr>
           </a:p>
           <a:p>
             <a:pPr>
               <a:spcBef>
-                <a:spcPts val="1063"/>
+                <a:spcPts val="1065"/>
               </a:spcBef>
               <a:buClr>
                 <a:srgbClr val="000000"/>
               </a:buClr>
               <a:buSzPct val="100000"/>
-              <a:buFont typeface="Times New Roman" pitchFamily="18" charset="0"/>
+              <a:buFont typeface="Times New Roman" panose="02020603050405020304" pitchFamily="18" charset="0"/>
               <a:buNone/>
               <a:tabLst>
                 <a:tab pos="0" algn="l"/>
@@ -7938,7 +7870,7 @@
                 <a:schemeClr val="bg1"/>
               </a:solidFill>
               <a:latin typeface="+mj-lt"/>
-              <a:cs typeface="Arial" pitchFamily="34" charset="0"/>
+              <a:cs typeface="Arial" panose="020B0604020202020204" pitchFamily="34" charset="0"/>
             </a:endParaRPr>
           </a:p>
         </p:txBody>
@@ -7996,25 +7928,26 @@
               </a:rPr>
               <a:t>Applications of Raspberry Pi</a:t>
             </a:r>
+            <a:endParaRPr lang="en-US" b="1" dirty="0">
+              <a:solidFill>
+                <a:srgbClr val="FF0000"/>
+              </a:solidFill>
+              <a:latin typeface="Times New Roman" panose="02020603050405020304" pitchFamily="18" charset="0"/>
+              <a:cs typeface="Times New Roman" panose="02020603050405020304" pitchFamily="18" charset="0"/>
+            </a:endParaRPr>
           </a:p>
         </p:txBody>
       </p:sp>
       <p:pic>
         <p:nvPicPr>
-          <p:cNvPr id="9218" name="Picture 2" descr="A comprehensive review on applications of Raspberry Pi - ScienceDirect">
-            <a:extLst>
-              <a:ext uri="{FF2B5EF4-FFF2-40B4-BE49-F238E27FC236}">
-                <a16:creationId xmlns:a16="http://schemas.microsoft.com/office/drawing/2014/main" id="{C964542C-7906-46BC-AE4E-42089340D3B5}"/>
-              </a:ext>
-            </a:extLst>
-          </p:cNvPr>
+          <p:cNvPr id="9218" name="Picture 2" descr="A comprehensive review on applications of Raspberry Pi - ScienceDirect"/>
           <p:cNvPicPr>
             <a:picLocks noChangeAspect="1" noChangeArrowheads="1"/>
           </p:cNvPicPr>
           <p:nvPr/>
         </p:nvPicPr>
         <p:blipFill>
-          <a:blip r:embed="rId3">
+          <a:blip r:embed="rId1">
             <a:extLst>
               <a:ext uri="{28A0092B-C50C-407E-A947-70E740481C1C}">
                 <a14:useLocalDpi xmlns:a14="http://schemas.microsoft.com/office/drawing/2010/main" val="0"/>
@@ -8047,11 +7980,6 @@
         </p:spPr>
       </p:pic>
     </p:spTree>
-    <p:extLst>
-      <p:ext uri="{BB962C8B-B14F-4D97-AF65-F5344CB8AC3E}">
-        <p14:creationId xmlns:p14="http://schemas.microsoft.com/office/powerpoint/2010/main" val="2888069947"/>
-      </p:ext>
-    </p:extLst>
   </p:cSld>
   <p:clrMapOvr>
     <a:masterClrMapping/>
@@ -8078,13 +8006,7 @@
       </p:grpSpPr>
       <p:sp>
         <p:nvSpPr>
-          <p:cNvPr id="2" name="Title 1">
-            <a:extLst>
-              <a:ext uri="{FF2B5EF4-FFF2-40B4-BE49-F238E27FC236}">
-                <a16:creationId xmlns:a16="http://schemas.microsoft.com/office/drawing/2014/main" id="{D8AC2701-FC09-43D2-9F25-86E1477FAB81}"/>
-              </a:ext>
-            </a:extLst>
-          </p:cNvPr>
+          <p:cNvPr id="2" name="Title 1"/>
           <p:cNvSpPr>
             <a:spLocks noGrp="1"/>
           </p:cNvSpPr>
@@ -8110,25 +8032,24 @@
               </a:rPr>
               <a:t>IOT by Arduino KIT</a:t>
             </a:r>
+            <a:endParaRPr lang="en-US" b="1" dirty="0">
+              <a:solidFill>
+                <a:srgbClr val="FF0000"/>
+              </a:solidFill>
+            </a:endParaRPr>
           </a:p>
         </p:txBody>
       </p:sp>
       <p:pic>
         <p:nvPicPr>
-          <p:cNvPr id="1026" name="Picture 2" descr="Bộ kit học tập IoT sử dụng Arduino Uno R3 và Shield Ethernet W5100">
-            <a:extLst>
-              <a:ext uri="{FF2B5EF4-FFF2-40B4-BE49-F238E27FC236}">
-                <a16:creationId xmlns:a16="http://schemas.microsoft.com/office/drawing/2014/main" id="{00A2BF06-EB9B-4C3F-BFCD-B158061F33B8}"/>
-              </a:ext>
-            </a:extLst>
-          </p:cNvPr>
+          <p:cNvPr id="1026" name="Picture 2" descr="Bộ kit học tập IoT sử dụng Arduino Uno R3 và Shield Ethernet W5100"/>
           <p:cNvPicPr>
             <a:picLocks noChangeAspect="1" noChangeArrowheads="1"/>
           </p:cNvPicPr>
           <p:nvPr/>
         </p:nvPicPr>
         <p:blipFill>
-          <a:blip r:embed="rId2">
+          <a:blip r:embed="rId1">
             <a:extLst>
               <a:ext uri="{28A0092B-C50C-407E-A947-70E740481C1C}">
                 <a14:useLocalDpi xmlns:a14="http://schemas.microsoft.com/office/drawing/2010/main" val="0"/>
@@ -8161,11 +8082,6 @@
         </p:spPr>
       </p:pic>
     </p:spTree>
-    <p:extLst>
-      <p:ext uri="{BB962C8B-B14F-4D97-AF65-F5344CB8AC3E}">
-        <p14:creationId xmlns:p14="http://schemas.microsoft.com/office/powerpoint/2010/main" val="3130107275"/>
-      </p:ext>
-    </p:extLst>
   </p:cSld>
   <p:clrMapOvr>
     <a:masterClrMapping/>
@@ -8192,13 +8108,7 @@
       </p:grpSpPr>
       <p:sp>
         <p:nvSpPr>
-          <p:cNvPr id="2" name="Title 1">
-            <a:extLst>
-              <a:ext uri="{FF2B5EF4-FFF2-40B4-BE49-F238E27FC236}">
-                <a16:creationId xmlns:a16="http://schemas.microsoft.com/office/drawing/2014/main" id="{6EB952B6-912E-4EA8-BEBF-720BAFBF6542}"/>
-              </a:ext>
-            </a:extLst>
-          </p:cNvPr>
+          <p:cNvPr id="2" name="Title 1"/>
           <p:cNvSpPr>
             <a:spLocks noGrp="1"/>
           </p:cNvSpPr>
@@ -8221,18 +8131,19 @@
               </a:rPr>
               <a:t>Reference</a:t>
             </a:r>
-          </a:p>
-        </p:txBody>
-      </p:sp>
-      <p:sp>
-        <p:nvSpPr>
-          <p:cNvPr id="3" name="Content Placeholder 2">
-            <a:extLst>
-              <a:ext uri="{FF2B5EF4-FFF2-40B4-BE49-F238E27FC236}">
-                <a16:creationId xmlns:a16="http://schemas.microsoft.com/office/drawing/2014/main" id="{73E2DCF9-283A-4A85-B2C3-16CE2480C8E8}"/>
-              </a:ext>
-            </a:extLst>
-          </p:cNvPr>
+            <a:endParaRPr lang="en-US" b="1" dirty="0">
+              <a:solidFill>
+                <a:srgbClr val="FF0000"/>
+              </a:solidFill>
+              <a:latin typeface="Times New Roman" panose="02020603050405020304" pitchFamily="18" charset="0"/>
+              <a:cs typeface="Times New Roman" panose="02020603050405020304" pitchFamily="18" charset="0"/>
+            </a:endParaRPr>
+          </a:p>
+        </p:txBody>
+      </p:sp>
+      <p:sp>
+        <p:nvSpPr>
+          <p:cNvPr id="3" name="Content Placeholder 2"/>
           <p:cNvSpPr>
             <a:spLocks noGrp="1"/>
           </p:cNvSpPr>
@@ -8267,13 +8178,7 @@
               <a:rPr lang="en-US" sz="2400" b="1" dirty="0">
                 <a:latin typeface="Times New Roman" panose="02020603050405020304" pitchFamily="18" charset="0"/>
                 <a:cs typeface="Times New Roman" panose="02020603050405020304" pitchFamily="18" charset="0"/>
-                <a:hlinkClick r:id="rId2">
-                  <a:extLst>
-                    <a:ext uri="{A12FA001-AC4F-418D-AE19-62706E023703}">
-                      <ahyp:hlinkClr xmlns:ahyp="http://schemas.microsoft.com/office/drawing/2018/hyperlinkcolor" val="tx"/>
-                    </a:ext>
-                  </a:extLst>
-                </a:hlinkClick>
+                <a:hlinkClick r:id="rId1"/>
               </a:rPr>
               <a:t>https://www.arduino.cc</a:t>
             </a:r>
@@ -8300,13 +8205,7 @@
               <a:rPr lang="en-US" sz="2400" b="1" dirty="0">
                 <a:latin typeface="Times New Roman" panose="02020603050405020304" pitchFamily="18" charset="0"/>
                 <a:cs typeface="Times New Roman" panose="02020603050405020304" pitchFamily="18" charset="0"/>
-                <a:hlinkClick r:id="rId3">
-                  <a:extLst>
-                    <a:ext uri="{A12FA001-AC4F-418D-AE19-62706E023703}">
-                      <ahyp:hlinkClr xmlns:ahyp="http://schemas.microsoft.com/office/drawing/2018/hyperlinkcolor" val="tx"/>
-                    </a:ext>
-                  </a:extLst>
-                </a:hlinkClick>
+                <a:hlinkClick r:id="rId2"/>
               </a:rPr>
               <a:t>https://www.youtube.com/watch?v=DyP7XUnsq7k</a:t>
             </a:r>
@@ -8333,13 +8232,7 @@
               <a:rPr lang="en-US" sz="2400" b="1" dirty="0">
                 <a:latin typeface="Times New Roman" panose="02020603050405020304" pitchFamily="18" charset="0"/>
                 <a:cs typeface="Times New Roman" panose="02020603050405020304" pitchFamily="18" charset="0"/>
-                <a:hlinkClick r:id="rId4">
-                  <a:extLst>
-                    <a:ext uri="{A12FA001-AC4F-418D-AE19-62706E023703}">
-                      <ahyp:hlinkClr xmlns:ahyp="http://schemas.microsoft.com/office/drawing/2018/hyperlinkcolor" val="tx"/>
-                    </a:ext>
-                  </a:extLst>
-                </a:hlinkClick>
+                <a:hlinkClick r:id="rId3"/>
               </a:rPr>
               <a:t>https://raspberrypi.vn/</a:t>
             </a:r>
@@ -8366,13 +8259,7 @@
               <a:rPr lang="en-US" sz="2400" b="1" dirty="0">
                 <a:latin typeface="Times New Roman" panose="02020603050405020304" pitchFamily="18" charset="0"/>
                 <a:cs typeface="Times New Roman" panose="02020603050405020304" pitchFamily="18" charset="0"/>
-                <a:hlinkClick r:id="rId5">
-                  <a:extLst>
-                    <a:ext uri="{A12FA001-AC4F-418D-AE19-62706E023703}">
-                      <ahyp:hlinkClr xmlns:ahyp="http://schemas.microsoft.com/office/drawing/2018/hyperlinkcolor" val="tx"/>
-                    </a:ext>
-                  </a:extLst>
-                </a:hlinkClick>
+                <a:hlinkClick r:id="rId4"/>
               </a:rPr>
               <a:t>https://www.tinkercad.com/</a:t>
             </a:r>
@@ -8399,13 +8286,7 @@
               <a:rPr lang="en-US" sz="2400" b="1" dirty="0">
                 <a:latin typeface="Times New Roman" panose="02020603050405020304" pitchFamily="18" charset="0"/>
                 <a:cs typeface="Times New Roman" panose="02020603050405020304" pitchFamily="18" charset="0"/>
-                <a:hlinkClick r:id="rId6">
-                  <a:extLst>
-                    <a:ext uri="{A12FA001-AC4F-418D-AE19-62706E023703}">
-                      <ahyp:hlinkClr xmlns:ahyp="http://schemas.microsoft.com/office/drawing/2018/hyperlinkcolor" val="tx"/>
-                    </a:ext>
-                  </a:extLst>
-                </a:hlinkClick>
+                <a:hlinkClick r:id="rId5"/>
               </a:rPr>
               <a:t>https://app.cirkitdesigner.com/</a:t>
             </a:r>
@@ -8432,13 +8313,7 @@
               <a:rPr lang="en-US" sz="2400" b="1" dirty="0">
                 <a:latin typeface="Times New Roman" panose="02020603050405020304" pitchFamily="18" charset="0"/>
                 <a:cs typeface="Times New Roman" panose="02020603050405020304" pitchFamily="18" charset="0"/>
-                <a:hlinkClick r:id="rId7">
-                  <a:extLst>
-                    <a:ext uri="{A12FA001-AC4F-418D-AE19-62706E023703}">
-                      <ahyp:hlinkClr xmlns:ahyp="http://schemas.microsoft.com/office/drawing/2018/hyperlinkcolor" val="tx"/>
-                    </a:ext>
-                  </a:extLst>
-                </a:hlinkClick>
+                <a:hlinkClick r:id="rId6"/>
               </a:rPr>
               <a:t>https://www.circuito.io/</a:t>
             </a:r>
@@ -8456,11 +8331,6 @@
         </p:txBody>
       </p:sp>
     </p:spTree>
-    <p:extLst>
-      <p:ext uri="{BB962C8B-B14F-4D97-AF65-F5344CB8AC3E}">
-        <p14:creationId xmlns:p14="http://schemas.microsoft.com/office/powerpoint/2010/main" val="3649732181"/>
-      </p:ext>
-    </p:extLst>
   </p:cSld>
   <p:clrMapOvr>
     <a:masterClrMapping/>
@@ -8487,13 +8357,7 @@
       </p:grpSpPr>
       <p:sp>
         <p:nvSpPr>
-          <p:cNvPr id="2" name="Title 1">
-            <a:extLst>
-              <a:ext uri="{FF2B5EF4-FFF2-40B4-BE49-F238E27FC236}">
-                <a16:creationId xmlns:a16="http://schemas.microsoft.com/office/drawing/2014/main" id="{04A5F23F-99EE-446C-AD97-926A43BCF691}"/>
-              </a:ext>
-            </a:extLst>
-          </p:cNvPr>
+          <p:cNvPr id="2" name="Title 1"/>
           <p:cNvSpPr>
             <a:spLocks noGrp="1"/>
           </p:cNvSpPr>
@@ -8517,25 +8381,26 @@
               </a:rPr>
               <a:t>Thank you</a:t>
             </a:r>
+            <a:endParaRPr lang="en-US" b="1" dirty="0">
+              <a:solidFill>
+                <a:srgbClr val="FF0000"/>
+              </a:solidFill>
+              <a:latin typeface="Times New Roman" panose="02020603050405020304" pitchFamily="18" charset="0"/>
+              <a:cs typeface="Times New Roman" panose="02020603050405020304" pitchFamily="18" charset="0"/>
+            </a:endParaRPr>
           </a:p>
         </p:txBody>
       </p:sp>
       <p:pic>
         <p:nvPicPr>
-          <p:cNvPr id="10242" name="Picture 2" descr="11 Clever Uses for Your Raspberry Pi | Random Nerd Tutorials">
-            <a:extLst>
-              <a:ext uri="{FF2B5EF4-FFF2-40B4-BE49-F238E27FC236}">
-                <a16:creationId xmlns:a16="http://schemas.microsoft.com/office/drawing/2014/main" id="{3A227B35-43A9-4E87-A1CF-86368B89367F}"/>
-              </a:ext>
-            </a:extLst>
-          </p:cNvPr>
+          <p:cNvPr id="10242" name="Picture 2" descr="11 Clever Uses for Your Raspberry Pi | Random Nerd Tutorials"/>
           <p:cNvPicPr>
             <a:picLocks noChangeAspect="1" noChangeArrowheads="1"/>
           </p:cNvPicPr>
           <p:nvPr/>
         </p:nvPicPr>
         <p:blipFill>
-          <a:blip r:embed="rId2">
+          <a:blip r:embed="rId1">
             <a:extLst>
               <a:ext uri="{28A0092B-C50C-407E-A947-70E740481C1C}">
                 <a14:useLocalDpi xmlns:a14="http://schemas.microsoft.com/office/drawing/2010/main" val="0"/>
@@ -8568,11 +8433,6 @@
         </p:spPr>
       </p:pic>
     </p:spTree>
-    <p:extLst>
-      <p:ext uri="{BB962C8B-B14F-4D97-AF65-F5344CB8AC3E}">
-        <p14:creationId xmlns:p14="http://schemas.microsoft.com/office/powerpoint/2010/main" val="2843642636"/>
-      </p:ext>
-    </p:extLst>
   </p:cSld>
   <p:clrMapOvr>
     <a:masterClrMapping/>
@@ -8622,18 +8482,19 @@
               </a:rPr>
               <a:t>General Introduction</a:t>
             </a:r>
-          </a:p>
-        </p:txBody>
-      </p:sp>
-      <p:sp>
-        <p:nvSpPr>
-          <p:cNvPr id="4" name="Content Placeholder 3">
-            <a:extLst>
-              <a:ext uri="{FF2B5EF4-FFF2-40B4-BE49-F238E27FC236}">
-                <a16:creationId xmlns:a16="http://schemas.microsoft.com/office/drawing/2014/main" id="{BF05BC8A-13C7-4A78-BFDF-1302DD2B5515}"/>
-              </a:ext>
-            </a:extLst>
-          </p:cNvPr>
+            <a:endParaRPr lang="en-US" b="1" dirty="0">
+              <a:solidFill>
+                <a:srgbClr val="FF0000"/>
+              </a:solidFill>
+              <a:latin typeface="Times New Roman" panose="02020603050405020304" pitchFamily="18" charset="0"/>
+              <a:cs typeface="Times New Roman" panose="02020603050405020304" pitchFamily="18" charset="0"/>
+            </a:endParaRPr>
+          </a:p>
+        </p:txBody>
+      </p:sp>
+      <p:sp>
+        <p:nvSpPr>
+          <p:cNvPr id="4" name="Content Placeholder 3"/>
           <p:cNvSpPr>
             <a:spLocks noGrp="1"/>
           </p:cNvSpPr>
@@ -8665,7 +8526,6 @@
               <a:buSzTx/>
               <a:buFont typeface="Wingdings" panose="05000000000000000000" pitchFamily="2" charset="2"/>
               <a:buChar char="Ø"/>
-              <a:tabLst/>
             </a:pPr>
             <a:r>
               <a:rPr kumimoji="0" lang="en-US" altLang="en-US" sz="2400" b="1" i="0" u="none" strike="noStrike" cap="none" normalizeH="0" baseline="0" dirty="0">
@@ -8708,6 +8568,17 @@
               </a:rPr>
               <a:t>: simple, open-source microcontroller board)</a:t>
             </a:r>
+            <a:endParaRPr kumimoji="0" lang="en-US" altLang="en-US" sz="2400" b="0" i="0" u="none" strike="noStrike" cap="none" normalizeH="0" baseline="0" dirty="0">
+              <a:ln>
+                <a:noFill/>
+              </a:ln>
+              <a:solidFill>
+                <a:schemeClr val="tx1"/>
+              </a:solidFill>
+              <a:effectLst/>
+              <a:latin typeface="Times New Roman" panose="02020603050405020304" pitchFamily="18" charset="0"/>
+              <a:cs typeface="Times New Roman" panose="02020603050405020304" pitchFamily="18" charset="0"/>
+            </a:endParaRPr>
           </a:p>
           <a:p>
             <a:pPr marR="0" lvl="0" algn="l" defTabSz="914400" rtl="0" eaLnBrk="0" fontAlgn="base" latinLnBrk="0" hangingPunct="0">
@@ -8724,7 +8595,6 @@
               <a:buSzTx/>
               <a:buFont typeface="Wingdings" panose="05000000000000000000" pitchFamily="2" charset="2"/>
               <a:buChar char="Ø"/>
-              <a:tabLst/>
             </a:pPr>
             <a:r>
               <a:rPr kumimoji="0" lang="en-US" altLang="en-US" sz="2400" b="1" i="0" u="none" strike="noStrike" cap="none" normalizeH="0" baseline="0" dirty="0">
@@ -8754,6 +8624,17 @@
               </a:rPr>
               <a:t>: microcontroller with integrated Wi-Fi/Bluetooth (ESP32 &amp; ESP8266)</a:t>
             </a:r>
+            <a:endParaRPr kumimoji="0" lang="en-US" altLang="en-US" sz="2400" b="0" i="0" u="none" strike="noStrike" cap="none" normalizeH="0" baseline="0" dirty="0">
+              <a:ln>
+                <a:noFill/>
+              </a:ln>
+              <a:solidFill>
+                <a:schemeClr val="tx1"/>
+              </a:solidFill>
+              <a:effectLst/>
+              <a:latin typeface="Times New Roman" panose="02020603050405020304" pitchFamily="18" charset="0"/>
+              <a:cs typeface="Times New Roman" panose="02020603050405020304" pitchFamily="18" charset="0"/>
+            </a:endParaRPr>
           </a:p>
           <a:p>
             <a:pPr marR="0" lvl="0" algn="l" defTabSz="914400" rtl="0" eaLnBrk="0" fontAlgn="base" latinLnBrk="0" hangingPunct="0">
@@ -8770,7 +8651,6 @@
               <a:buSzTx/>
               <a:buFont typeface="Wingdings" panose="05000000000000000000" pitchFamily="2" charset="2"/>
               <a:buChar char="Ø"/>
-              <a:tabLst/>
             </a:pPr>
             <a:r>
               <a:rPr lang="en-US" altLang="en-US" sz="2400" dirty="0">
@@ -8807,6 +8687,17 @@
               </a:rPr>
               <a:t>: single-board computer running Linux, highly versatile </a:t>
             </a:r>
+            <a:endParaRPr kumimoji="0" lang="en-US" altLang="en-US" sz="2400" b="0" i="0" u="none" strike="noStrike" cap="none" normalizeH="0" baseline="0" dirty="0">
+              <a:ln>
+                <a:noFill/>
+              </a:ln>
+              <a:solidFill>
+                <a:schemeClr val="tx1"/>
+              </a:solidFill>
+              <a:effectLst/>
+              <a:latin typeface="Times New Roman" panose="02020603050405020304" pitchFamily="18" charset="0"/>
+              <a:cs typeface="Times New Roman" panose="02020603050405020304" pitchFamily="18" charset="0"/>
+            </a:endParaRPr>
           </a:p>
           <a:p>
             <a:endParaRPr lang="en-US" sz="2400" dirty="0"/>
@@ -8815,20 +8706,14 @@
       </p:sp>
       <p:pic>
         <p:nvPicPr>
-          <p:cNvPr id="1027" name="Picture 3" descr="Intro to Arduino : 15 Steps (with ...">
-            <a:extLst>
-              <a:ext uri="{FF2B5EF4-FFF2-40B4-BE49-F238E27FC236}">
-                <a16:creationId xmlns:a16="http://schemas.microsoft.com/office/drawing/2014/main" id="{5171122B-72CA-43F4-AC14-A18AC966DBB9}"/>
-              </a:ext>
-            </a:extLst>
-          </p:cNvPr>
+          <p:cNvPr id="1027" name="Picture 3" descr="Intro to Arduino : 15 Steps (with ..."/>
           <p:cNvPicPr>
             <a:picLocks noChangeAspect="1" noChangeArrowheads="1"/>
           </p:cNvPicPr>
           <p:nvPr/>
         </p:nvPicPr>
         <p:blipFill>
-          <a:blip r:embed="rId3">
+          <a:blip r:embed="rId1">
             <a:extLst>
               <a:ext uri="{28A0092B-C50C-407E-A947-70E740481C1C}">
                 <a14:useLocalDpi xmlns:a14="http://schemas.microsoft.com/office/drawing/2010/main" val="0"/>
@@ -8862,20 +8747,14 @@
       </p:pic>
       <p:pic>
         <p:nvPicPr>
-          <p:cNvPr id="1029" name="Picture 5" descr="Programming of the ESP8266 NodeMCU Board">
-            <a:extLst>
-              <a:ext uri="{FF2B5EF4-FFF2-40B4-BE49-F238E27FC236}">
-                <a16:creationId xmlns:a16="http://schemas.microsoft.com/office/drawing/2014/main" id="{0E756F9A-2412-4DBF-862C-56978FC72969}"/>
-              </a:ext>
-            </a:extLst>
-          </p:cNvPr>
+          <p:cNvPr id="1029" name="Picture 5" descr="Programming of the ESP8266 NodeMCU Board"/>
           <p:cNvPicPr>
             <a:picLocks noChangeAspect="1" noChangeArrowheads="1"/>
           </p:cNvPicPr>
           <p:nvPr/>
         </p:nvPicPr>
         <p:blipFill>
-          <a:blip r:embed="rId4">
+          <a:blip r:embed="rId2">
             <a:extLst>
               <a:ext uri="{28A0092B-C50C-407E-A947-70E740481C1C}">
                 <a14:useLocalDpi xmlns:a14="http://schemas.microsoft.com/office/drawing/2010/main" val="0"/>
@@ -8909,20 +8788,14 @@
       </p:pic>
       <p:pic>
         <p:nvPicPr>
-          <p:cNvPr id="1031" name="Picture 7" descr="Buy a Raspberry Pi 5 – Raspberry Pi">
-            <a:extLst>
-              <a:ext uri="{FF2B5EF4-FFF2-40B4-BE49-F238E27FC236}">
-                <a16:creationId xmlns:a16="http://schemas.microsoft.com/office/drawing/2014/main" id="{FB6ACF28-3AFB-450E-B2C6-81D83B561473}"/>
-              </a:ext>
-            </a:extLst>
-          </p:cNvPr>
+          <p:cNvPr id="1031" name="Picture 7" descr="Buy a Raspberry Pi 5 – Raspberry Pi"/>
           <p:cNvPicPr>
             <a:picLocks noChangeAspect="1" noChangeArrowheads="1"/>
           </p:cNvPicPr>
           <p:nvPr/>
         </p:nvPicPr>
         <p:blipFill>
-          <a:blip r:embed="rId5">
+          <a:blip r:embed="rId3">
             <a:extLst>
               <a:ext uri="{28A0092B-C50C-407E-A947-70E740481C1C}">
                 <a14:useLocalDpi xmlns:a14="http://schemas.microsoft.com/office/drawing/2010/main" val="0"/>
@@ -8955,11 +8828,6 @@
         </p:spPr>
       </p:pic>
     </p:spTree>
-    <p:extLst>
-      <p:ext uri="{BB962C8B-B14F-4D97-AF65-F5344CB8AC3E}">
-        <p14:creationId xmlns:p14="http://schemas.microsoft.com/office/powerpoint/2010/main" val="470601729"/>
-      </p:ext>
-    </p:extLst>
   </p:cSld>
   <p:clrMapOvr>
     <a:masterClrMapping/>
@@ -9009,18 +8877,19 @@
               </a:rPr>
               <a:t>History</a:t>
             </a:r>
-          </a:p>
-        </p:txBody>
-      </p:sp>
-      <p:sp>
-        <p:nvSpPr>
-          <p:cNvPr id="4" name="Content Placeholder 3">
-            <a:extLst>
-              <a:ext uri="{FF2B5EF4-FFF2-40B4-BE49-F238E27FC236}">
-                <a16:creationId xmlns:a16="http://schemas.microsoft.com/office/drawing/2014/main" id="{BF05BC8A-13C7-4A78-BFDF-1302DD2B5515}"/>
-              </a:ext>
-            </a:extLst>
-          </p:cNvPr>
+            <a:endParaRPr lang="en-US" b="1" dirty="0">
+              <a:solidFill>
+                <a:srgbClr val="FF0000"/>
+              </a:solidFill>
+              <a:latin typeface="Times New Roman" panose="02020603050405020304" pitchFamily="18" charset="0"/>
+              <a:cs typeface="Times New Roman" panose="02020603050405020304" pitchFamily="18" charset="0"/>
+            </a:endParaRPr>
+          </a:p>
+        </p:txBody>
+      </p:sp>
+      <p:sp>
+        <p:nvSpPr>
+          <p:cNvPr id="4" name="Content Placeholder 3"/>
           <p:cNvSpPr>
             <a:spLocks noGrp="1"/>
           </p:cNvSpPr>
@@ -9052,6 +8921,10 @@
               </a:rPr>
               <a:t>Arduino originated in Italy in 2005 for education and makers </a:t>
             </a:r>
+            <a:endParaRPr lang="en-US" sz="2400" dirty="0">
+              <a:latin typeface="Times New Roman" panose="02020603050405020304" pitchFamily="18" charset="0"/>
+              <a:ea typeface="Times New Roman" panose="02020603050405020304" pitchFamily="18" charset="0"/>
+            </a:endParaRPr>
           </a:p>
           <a:p>
             <a:pPr>
@@ -9069,6 +8942,11 @@
               </a:rPr>
               <a:t>Arduino: few KB SRAM + internal Flash</a:t>
             </a:r>
+            <a:endParaRPr lang="en-US" sz="2400" dirty="0">
+              <a:effectLst/>
+              <a:latin typeface="Times New Roman" panose="02020603050405020304" pitchFamily="18" charset="0"/>
+              <a:ea typeface="Times New Roman" panose="02020603050405020304" pitchFamily="18" charset="0"/>
+            </a:endParaRPr>
           </a:p>
           <a:p>
             <a:pPr>
@@ -9093,6 +8971,11 @@
               </a:rPr>
               <a:t>released in 2014, ESP32 in 2016 with added Bluetooth/Wi-Fi </a:t>
             </a:r>
+            <a:endParaRPr lang="en-US" sz="2400" dirty="0">
+              <a:effectLst/>
+              <a:latin typeface="Times New Roman" panose="02020603050405020304" pitchFamily="18" charset="0"/>
+              <a:ea typeface="Times New Roman" panose="02020603050405020304" pitchFamily="18" charset="0"/>
+            </a:endParaRPr>
           </a:p>
           <a:p>
             <a:pPr>
@@ -9110,6 +8993,11 @@
               </a:rPr>
               <a:t>ESP32: ~520 KiB SRAM, external Flash, internal ROM </a:t>
             </a:r>
+            <a:endParaRPr lang="en-US" sz="2400" dirty="0">
+              <a:effectLst/>
+              <a:latin typeface="Times New Roman" panose="02020603050405020304" pitchFamily="18" charset="0"/>
+              <a:ea typeface="Times New Roman" panose="02020603050405020304" pitchFamily="18" charset="0"/>
+            </a:endParaRPr>
           </a:p>
           <a:p>
             <a:pPr>
@@ -9127,6 +9015,11 @@
               </a:rPr>
               <a:t>Raspberry Pi launched in 2012, designed to teach programming </a:t>
             </a:r>
+            <a:endParaRPr lang="en-US" sz="2400" dirty="0">
+              <a:effectLst/>
+              <a:latin typeface="Times New Roman" panose="02020603050405020304" pitchFamily="18" charset="0"/>
+              <a:ea typeface="Times New Roman" panose="02020603050405020304" pitchFamily="18" charset="0"/>
+            </a:endParaRPr>
           </a:p>
           <a:p>
             <a:pPr marL="0" marR="0">
@@ -9160,6 +9053,11 @@
               </a:rPr>
               <a:t> or USB storage </a:t>
             </a:r>
+            <a:endParaRPr lang="en-US" sz="2400" dirty="0">
+              <a:effectLst/>
+              <a:latin typeface="Times New Roman" panose="02020603050405020304" pitchFamily="18" charset="0"/>
+              <a:ea typeface="Times New Roman" panose="02020603050405020304" pitchFamily="18" charset="0"/>
+            </a:endParaRPr>
           </a:p>
           <a:p>
             <a:pPr>
@@ -9175,11 +9073,6 @@
         </p:txBody>
       </p:sp>
     </p:spTree>
-    <p:extLst>
-      <p:ext uri="{BB962C8B-B14F-4D97-AF65-F5344CB8AC3E}">
-        <p14:creationId xmlns:p14="http://schemas.microsoft.com/office/powerpoint/2010/main" val="3694150600"/>
-      </p:ext>
-    </p:extLst>
   </p:cSld>
   <p:clrMapOvr>
     <a:masterClrMapping/>
@@ -9229,25 +9122,26 @@
               </a:rPr>
               <a:t>Arduino Hardware </a:t>
             </a:r>
+            <a:endParaRPr lang="en-US" b="1" dirty="0">
+              <a:solidFill>
+                <a:srgbClr val="FF0000"/>
+              </a:solidFill>
+              <a:latin typeface="Times New Roman" panose="02020603050405020304" pitchFamily="18" charset="0"/>
+              <a:cs typeface="Times New Roman" panose="02020603050405020304" pitchFamily="18" charset="0"/>
+            </a:endParaRPr>
           </a:p>
         </p:txBody>
       </p:sp>
       <p:pic>
         <p:nvPicPr>
-          <p:cNvPr id="4102" name="Picture 6" descr="Arduino UNO-R3 (Chíp dán) | Giải Pháp Chung">
-            <a:extLst>
-              <a:ext uri="{FF2B5EF4-FFF2-40B4-BE49-F238E27FC236}">
-                <a16:creationId xmlns:a16="http://schemas.microsoft.com/office/drawing/2014/main" id="{EAB8B400-47F7-4D51-BD86-28AFFEE22D44}"/>
-              </a:ext>
-            </a:extLst>
-          </p:cNvPr>
+          <p:cNvPr id="4102" name="Picture 6" descr="Arduino UNO-R3 (Chíp dán) | Giải Pháp Chung"/>
           <p:cNvPicPr>
             <a:picLocks noChangeAspect="1" noChangeArrowheads="1"/>
           </p:cNvPicPr>
           <p:nvPr/>
         </p:nvPicPr>
         <p:blipFill>
-          <a:blip r:embed="rId3">
+          <a:blip r:embed="rId1">
             <a:extLst>
               <a:ext uri="{28A0092B-C50C-407E-A947-70E740481C1C}">
                 <a14:useLocalDpi xmlns:a14="http://schemas.microsoft.com/office/drawing/2010/main" val="0"/>
@@ -9280,11 +9174,6 @@
         </p:spPr>
       </p:pic>
     </p:spTree>
-    <p:extLst>
-      <p:ext uri="{BB962C8B-B14F-4D97-AF65-F5344CB8AC3E}">
-        <p14:creationId xmlns:p14="http://schemas.microsoft.com/office/powerpoint/2010/main" val="746653385"/>
-      </p:ext>
-    </p:extLst>
   </p:cSld>
   <p:clrMapOvr>
     <a:masterClrMapping/>
@@ -9344,25 +9233,26 @@
               </a:rPr>
               <a:t> ESP Hardware</a:t>
             </a:r>
+            <a:endParaRPr lang="en-US" b="1" dirty="0">
+              <a:solidFill>
+                <a:srgbClr val="FF0000"/>
+              </a:solidFill>
+              <a:latin typeface="Times New Roman" panose="02020603050405020304" pitchFamily="18" charset="0"/>
+              <a:cs typeface="Times New Roman" panose="02020603050405020304" pitchFamily="18" charset="0"/>
+            </a:endParaRPr>
           </a:p>
         </p:txBody>
       </p:sp>
       <p:pic>
         <p:nvPicPr>
-          <p:cNvPr id="5122" name="Picture 2" descr="Hướng dẫn lập trình ESP8266 NodeMCU dùng Arduino IDE">
-            <a:extLst>
-              <a:ext uri="{FF2B5EF4-FFF2-40B4-BE49-F238E27FC236}">
-                <a16:creationId xmlns:a16="http://schemas.microsoft.com/office/drawing/2014/main" id="{E3F53122-066B-43F6-BAC1-5E6E91282DB9}"/>
-              </a:ext>
-            </a:extLst>
-          </p:cNvPr>
+          <p:cNvPr id="5122" name="Picture 2" descr="Hướng dẫn lập trình ESP8266 NodeMCU dùng Arduino IDE"/>
           <p:cNvPicPr>
             <a:picLocks noChangeAspect="1" noChangeArrowheads="1"/>
           </p:cNvPicPr>
           <p:nvPr/>
         </p:nvPicPr>
         <p:blipFill>
-          <a:blip r:embed="rId3">
+          <a:blip r:embed="rId1">
             <a:extLst>
               <a:ext uri="{28A0092B-C50C-407E-A947-70E740481C1C}">
                 <a14:useLocalDpi xmlns:a14="http://schemas.microsoft.com/office/drawing/2010/main" val="0"/>
@@ -9395,11 +9285,6 @@
         </p:spPr>
       </p:pic>
     </p:spTree>
-    <p:extLst>
-      <p:ext uri="{BB962C8B-B14F-4D97-AF65-F5344CB8AC3E}">
-        <p14:creationId xmlns:p14="http://schemas.microsoft.com/office/powerpoint/2010/main" val="2340701270"/>
-      </p:ext>
-    </p:extLst>
   </p:cSld>
   <p:clrMapOvr>
     <a:masterClrMapping/>
@@ -9449,25 +9334,26 @@
               </a:rPr>
               <a:t>Raspberry Pi Hardware</a:t>
             </a:r>
+            <a:endParaRPr lang="en-US" b="1" dirty="0">
+              <a:solidFill>
+                <a:srgbClr val="FF0000"/>
+              </a:solidFill>
+              <a:latin typeface="Times New Roman" panose="02020603050405020304" pitchFamily="18" charset="0"/>
+              <a:cs typeface="Times New Roman" panose="02020603050405020304" pitchFamily="18" charset="0"/>
+            </a:endParaRPr>
           </a:p>
         </p:txBody>
       </p:sp>
       <p:pic>
         <p:nvPicPr>
-          <p:cNvPr id="6148" name="Picture 4" descr="Sơ đồ chân GPIO của Raspberry Pi">
-            <a:extLst>
-              <a:ext uri="{FF2B5EF4-FFF2-40B4-BE49-F238E27FC236}">
-                <a16:creationId xmlns:a16="http://schemas.microsoft.com/office/drawing/2014/main" id="{BD8FA105-D724-4027-973F-22D8D4B8881C}"/>
-              </a:ext>
-            </a:extLst>
-          </p:cNvPr>
+          <p:cNvPr id="6148" name="Picture 4" descr="Sơ đồ chân GPIO của Raspberry Pi"/>
           <p:cNvPicPr>
             <a:picLocks noChangeAspect="1" noChangeArrowheads="1"/>
           </p:cNvPicPr>
           <p:nvPr/>
         </p:nvPicPr>
         <p:blipFill>
-          <a:blip r:embed="rId3">
+          <a:blip r:embed="rId1">
             <a:extLst>
               <a:ext uri="{28A0092B-C50C-407E-A947-70E740481C1C}">
                 <a14:useLocalDpi xmlns:a14="http://schemas.microsoft.com/office/drawing/2010/main" val="0"/>
@@ -9500,11 +9386,6 @@
         </p:spPr>
       </p:pic>
     </p:spTree>
-    <p:extLst>
-      <p:ext uri="{BB962C8B-B14F-4D97-AF65-F5344CB8AC3E}">
-        <p14:creationId xmlns:p14="http://schemas.microsoft.com/office/powerpoint/2010/main" val="3874547517"/>
-      </p:ext>
-    </p:extLst>
   </p:cSld>
   <p:clrMapOvr>
     <a:masterClrMapping/>
@@ -9566,20 +9447,14 @@
       </p:sp>
       <p:pic>
         <p:nvPicPr>
-          <p:cNvPr id="3" name="Picture 2">
-            <a:extLst>
-              <a:ext uri="{FF2B5EF4-FFF2-40B4-BE49-F238E27FC236}">
-                <a16:creationId xmlns:a16="http://schemas.microsoft.com/office/drawing/2014/main" id="{F925C01D-D25A-4635-BEF1-EECA61014DB8}"/>
-              </a:ext>
-            </a:extLst>
-          </p:cNvPr>
+          <p:cNvPr id="3" name="Picture 2"/>
           <p:cNvPicPr>
             <a:picLocks noChangeAspect="1"/>
           </p:cNvPicPr>
           <p:nvPr/>
         </p:nvPicPr>
         <p:blipFill>
-          <a:blip r:embed="rId3"/>
+          <a:blip r:embed="rId1"/>
           <a:stretch>
             <a:fillRect/>
           </a:stretch>
@@ -9595,11 +9470,6 @@
         </p:spPr>
       </p:pic>
     </p:spTree>
-    <p:extLst>
-      <p:ext uri="{BB962C8B-B14F-4D97-AF65-F5344CB8AC3E}">
-        <p14:creationId xmlns:p14="http://schemas.microsoft.com/office/powerpoint/2010/main" val="1218315021"/>
-      </p:ext>
-    </p:extLst>
   </p:cSld>
   <p:clrMapOvr>
     <a:masterClrMapping/>
@@ -9654,25 +9524,26 @@
               </a:rPr>
               <a:t>Real-World Applications: Arduino</a:t>
             </a:r>
+            <a:endParaRPr lang="en-US" b="1" dirty="0">
+              <a:solidFill>
+                <a:srgbClr val="FF0000"/>
+              </a:solidFill>
+              <a:latin typeface="Times New Roman" panose="02020603050405020304" pitchFamily="18" charset="0"/>
+              <a:cs typeface="Times New Roman" panose="02020603050405020304" pitchFamily="18" charset="0"/>
+            </a:endParaRPr>
           </a:p>
         </p:txBody>
       </p:sp>
       <p:pic>
         <p:nvPicPr>
-          <p:cNvPr id="7172" name="Picture 4" descr="Arduino Complete Course : Build 30+ projects step by step | Udemy">
-            <a:extLst>
-              <a:ext uri="{FF2B5EF4-FFF2-40B4-BE49-F238E27FC236}">
-                <a16:creationId xmlns:a16="http://schemas.microsoft.com/office/drawing/2014/main" id="{5190285C-F883-4C99-9D93-A9A92EE91992}"/>
-              </a:ext>
-            </a:extLst>
-          </p:cNvPr>
+          <p:cNvPr id="7172" name="Picture 4" descr="Arduino Complete Course : Build 30+ projects step by step | Udemy"/>
           <p:cNvPicPr>
             <a:picLocks noChangeAspect="1" noChangeArrowheads="1"/>
           </p:cNvPicPr>
           <p:nvPr/>
         </p:nvPicPr>
         <p:blipFill>
-          <a:blip r:embed="rId3">
+          <a:blip r:embed="rId1">
             <a:extLst>
               <a:ext uri="{28A0092B-C50C-407E-A947-70E740481C1C}">
                 <a14:useLocalDpi xmlns:a14="http://schemas.microsoft.com/office/drawing/2010/main" val="0"/>
@@ -9705,11 +9576,6 @@
         </p:spPr>
       </p:pic>
     </p:spTree>
-    <p:extLst>
-      <p:ext uri="{BB962C8B-B14F-4D97-AF65-F5344CB8AC3E}">
-        <p14:creationId xmlns:p14="http://schemas.microsoft.com/office/powerpoint/2010/main" val="3041108147"/>
-      </p:ext>
-    </p:extLst>
   </p:cSld>
   <p:clrMapOvr>
     <a:masterClrMapping/>
@@ -9759,25 +9625,26 @@
               </a:rPr>
               <a:t>Applications of ESP</a:t>
             </a:r>
+            <a:endParaRPr lang="en-US" b="1" dirty="0">
+              <a:solidFill>
+                <a:srgbClr val="FF0000"/>
+              </a:solidFill>
+              <a:latin typeface="Times New Roman" panose="02020603050405020304" pitchFamily="18" charset="0"/>
+              <a:cs typeface="Times New Roman" panose="02020603050405020304" pitchFamily="18" charset="0"/>
+            </a:endParaRPr>
           </a:p>
         </p:txBody>
       </p:sp>
       <p:pic>
         <p:nvPicPr>
-          <p:cNvPr id="8196" name="Picture 4" descr="ESP8266 ESP-12E NodeMcu Lua WiFi Module Connector Development Board, for  Arduino IDE Micropython : Amazon.in: Computers &amp; Accessories">
-            <a:extLst>
-              <a:ext uri="{FF2B5EF4-FFF2-40B4-BE49-F238E27FC236}">
-                <a16:creationId xmlns:a16="http://schemas.microsoft.com/office/drawing/2014/main" id="{0B992306-E877-44A2-9F1C-815ED1304D52}"/>
-              </a:ext>
-            </a:extLst>
-          </p:cNvPr>
+          <p:cNvPr id="8196" name="Picture 4" descr="ESP8266 ESP-12E NodeMcu Lua WiFi Module Connector Development Board, for  Arduino IDE Micropython : Amazon.in: Computers &amp; Accessories"/>
           <p:cNvPicPr>
             <a:picLocks noChangeAspect="1" noChangeArrowheads="1"/>
           </p:cNvPicPr>
           <p:nvPr/>
         </p:nvPicPr>
         <p:blipFill>
-          <a:blip r:embed="rId3">
+          <a:blip r:embed="rId1">
             <a:extLst>
               <a:ext uri="{28A0092B-C50C-407E-A947-70E740481C1C}">
                 <a14:useLocalDpi xmlns:a14="http://schemas.microsoft.com/office/drawing/2010/main" val="0"/>
@@ -9810,11 +9677,6 @@
         </p:spPr>
       </p:pic>
     </p:spTree>
-    <p:extLst>
-      <p:ext uri="{BB962C8B-B14F-4D97-AF65-F5344CB8AC3E}">
-        <p14:creationId xmlns:p14="http://schemas.microsoft.com/office/powerpoint/2010/main" val="540144371"/>
-      </p:ext>
-    </p:extLst>
   </p:cSld>
   <p:clrMapOvr>
     <a:masterClrMapping/>
@@ -10100,8 +9962,11 @@
       </a:bgFillStyleLst>
     </a:fmtScheme>
   </a:themeElements>
-  <a:objectDefaults/>
-  <a:extraClrSchemeLst/>
+  <a:extLst>
+    <a:ext uri="{05A4C25C-085E-4340-85A3-A5531E510DB2}">
+      <thm15:themeFamily xmlns:thm15="http://schemas.microsoft.com/office/thememl/2012/main" name="Office Theme" id="{62F939B6-93AF-4DB8-9C6B-D6C7DFDC589F}" vid="{4A3C46E8-61CC-4603-A589-7422A47A8E4A}"/>
+    </a:ext>
+  </a:extLst>
 </a:theme>
 </file>
 
@@ -10435,7 +10300,11 @@
       </a:style>
     </a:lnDef>
   </a:objectDefaults>
-  <a:extraClrSchemeLst/>
+  <a:extLst>
+    <a:ext uri="{05A4C25C-085E-4340-85A3-A5531E510DB2}">
+      <thm15:themeFamily xmlns:thm15="http://schemas.microsoft.com/office/thememl/2012/main" name="Office Theme" id="{62F939B6-93AF-4DB8-9C6B-D6C7DFDC589F}" vid="{4A3C46E8-61CC-4603-A589-7422A47A8E4A}"/>
+    </a:ext>
+  </a:extLst>
 </a:theme>
 </file>
 
@@ -10717,8 +10586,11 @@
       </a:bgFillStyleLst>
     </a:fmtScheme>
   </a:themeElements>
-  <a:objectDefaults/>
-  <a:extraClrSchemeLst/>
+  <a:extLst>
+    <a:ext uri="{05A4C25C-085E-4340-85A3-A5531E510DB2}">
+      <thm15:themeFamily xmlns:thm15="http://schemas.microsoft.com/office/thememl/2012/main" name="Office Theme" id="{62F939B6-93AF-4DB8-9C6B-D6C7DFDC589F}" vid="{4A3C46E8-61CC-4603-A589-7422A47A8E4A}"/>
+    </a:ext>
+  </a:extLst>
 </a:theme>
 </file>
 
@@ -11000,7 +10872,10 @@
       </a:bgFillStyleLst>
     </a:fmtScheme>
   </a:themeElements>
-  <a:objectDefaults/>
-  <a:extraClrSchemeLst/>
+  <a:extLst>
+    <a:ext uri="{05A4C25C-085E-4340-85A3-A5531E510DB2}">
+      <thm15:themeFamily xmlns:thm15="http://schemas.microsoft.com/office/thememl/2012/main" name="Office Theme" id="{62F939B6-93AF-4DB8-9C6B-D6C7DFDC589F}" vid="{4A3C46E8-61CC-4603-A589-7422A47A8E4A}"/>
+    </a:ext>
+  </a:extLst>
 </a:theme>
 </file>